--- a/chapter-11/diagrams.pptx
+++ b/chapter-11/diagrams.pptx
@@ -6,6 +6,8 @@
   </p:sldMasterIdLst>
   <p:sldIdLst>
     <p:sldId id="256" r:id="rId2"/>
+    <p:sldId id="257" r:id="rId3"/>
+    <p:sldId id="258" r:id="rId4"/>
   </p:sldIdLst>
   <p:sldSz cx="12192000" cy="6858000"/>
   <p:notesSz cx="6858000" cy="9144000"/>
@@ -104,6 +106,11 @@
       </a:defRPr>
     </a:lvl9pPr>
   </p:defaultTextStyle>
+  <p:extLst>
+    <p:ext uri="{EFAFB233-063F-42B5-8137-9DF3F51BA10A}">
+      <p15:sldGuideLst xmlns:p15="http://schemas.microsoft.com/office/powerpoint/2012/main"/>
+    </p:ext>
+  </p:extLst>
 </p:presentation>
 </file>
 
@@ -254,7 +261,7 @@
           <a:p>
             <a:fld id="{2F27BB54-DC3E-4674-A0DB-4A6A18BEF226}" type="datetimeFigureOut">
               <a:rPr lang="en-US" smtClean="0"/>
-              <a:t>10/20/2024</a:t>
+              <a:t>11/10/2024</a:t>
             </a:fld>
             <a:endParaRPr lang="en-US"/>
           </a:p>
@@ -452,7 +459,7 @@
           <a:p>
             <a:fld id="{2F27BB54-DC3E-4674-A0DB-4A6A18BEF226}" type="datetimeFigureOut">
               <a:rPr lang="en-US" smtClean="0"/>
-              <a:t>10/20/2024</a:t>
+              <a:t>11/10/2024</a:t>
             </a:fld>
             <a:endParaRPr lang="en-US"/>
           </a:p>
@@ -660,7 +667,7 @@
           <a:p>
             <a:fld id="{2F27BB54-DC3E-4674-A0DB-4A6A18BEF226}" type="datetimeFigureOut">
               <a:rPr lang="en-US" smtClean="0"/>
-              <a:t>10/20/2024</a:t>
+              <a:t>11/10/2024</a:t>
             </a:fld>
             <a:endParaRPr lang="en-US"/>
           </a:p>
@@ -858,7 +865,7 @@
           <a:p>
             <a:fld id="{2F27BB54-DC3E-4674-A0DB-4A6A18BEF226}" type="datetimeFigureOut">
               <a:rPr lang="en-US" smtClean="0"/>
-              <a:t>10/20/2024</a:t>
+              <a:t>11/10/2024</a:t>
             </a:fld>
             <a:endParaRPr lang="en-US"/>
           </a:p>
@@ -1133,7 +1140,7 @@
           <a:p>
             <a:fld id="{2F27BB54-DC3E-4674-A0DB-4A6A18BEF226}" type="datetimeFigureOut">
               <a:rPr lang="en-US" smtClean="0"/>
-              <a:t>10/20/2024</a:t>
+              <a:t>11/10/2024</a:t>
             </a:fld>
             <a:endParaRPr lang="en-US"/>
           </a:p>
@@ -1398,7 +1405,7 @@
           <a:p>
             <a:fld id="{2F27BB54-DC3E-4674-A0DB-4A6A18BEF226}" type="datetimeFigureOut">
               <a:rPr lang="en-US" smtClean="0"/>
-              <a:t>10/20/2024</a:t>
+              <a:t>11/10/2024</a:t>
             </a:fld>
             <a:endParaRPr lang="en-US"/>
           </a:p>
@@ -1810,7 +1817,7 @@
           <a:p>
             <a:fld id="{2F27BB54-DC3E-4674-A0DB-4A6A18BEF226}" type="datetimeFigureOut">
               <a:rPr lang="en-US" smtClean="0"/>
-              <a:t>10/20/2024</a:t>
+              <a:t>11/10/2024</a:t>
             </a:fld>
             <a:endParaRPr lang="en-US"/>
           </a:p>
@@ -1951,7 +1958,7 @@
           <a:p>
             <a:fld id="{2F27BB54-DC3E-4674-A0DB-4A6A18BEF226}" type="datetimeFigureOut">
               <a:rPr lang="en-US" smtClean="0"/>
-              <a:t>10/20/2024</a:t>
+              <a:t>11/10/2024</a:t>
             </a:fld>
             <a:endParaRPr lang="en-US"/>
           </a:p>
@@ -2064,7 +2071,7 @@
           <a:p>
             <a:fld id="{2F27BB54-DC3E-4674-A0DB-4A6A18BEF226}" type="datetimeFigureOut">
               <a:rPr lang="en-US" smtClean="0"/>
-              <a:t>10/20/2024</a:t>
+              <a:t>11/10/2024</a:t>
             </a:fld>
             <a:endParaRPr lang="en-US"/>
           </a:p>
@@ -2375,7 +2382,7 @@
           <a:p>
             <a:fld id="{2F27BB54-DC3E-4674-A0DB-4A6A18BEF226}" type="datetimeFigureOut">
               <a:rPr lang="en-US" smtClean="0"/>
-              <a:t>10/20/2024</a:t>
+              <a:t>11/10/2024</a:t>
             </a:fld>
             <a:endParaRPr lang="en-US"/>
           </a:p>
@@ -2663,7 +2670,7 @@
           <a:p>
             <a:fld id="{2F27BB54-DC3E-4674-A0DB-4A6A18BEF226}" type="datetimeFigureOut">
               <a:rPr lang="en-US" smtClean="0"/>
-              <a:t>10/20/2024</a:t>
+              <a:t>11/10/2024</a:t>
             </a:fld>
             <a:endParaRPr lang="en-US"/>
           </a:p>
@@ -2904,7 +2911,7 @@
           <a:p>
             <a:fld id="{2F27BB54-DC3E-4674-A0DB-4A6A18BEF226}" type="datetimeFigureOut">
               <a:rPr lang="en-US" smtClean="0"/>
-              <a:t>10/20/2024</a:t>
+              <a:t>11/10/2024</a:t>
             </a:fld>
             <a:endParaRPr lang="en-US"/>
           </a:p>
@@ -5553,8 +5560,8 @@
           </a:p>
         </p:txBody>
       </p:sp>
-      <mc:AlternateContent xmlns:mc="http://schemas.openxmlformats.org/markup-compatibility/2006">
-        <mc:Choice xmlns:a14="http://schemas.microsoft.com/office/drawing/2010/main" Requires="a14">
+      <mc:AlternateContent xmlns:mc="http://schemas.openxmlformats.org/markup-compatibility/2006" xmlns:a14="http://schemas.microsoft.com/office/drawing/2010/main">
+        <mc:Choice Requires="a14">
           <p:sp>
             <p:nvSpPr>
               <p:cNvPr id="58" name="TextBox 57">
@@ -5635,7 +5642,7 @@
             </p:txBody>
           </p:sp>
         </mc:Choice>
-        <mc:Fallback>
+        <mc:Fallback xmlns="">
           <p:sp>
             <p:nvSpPr>
               <p:cNvPr id="58" name="TextBox 57">
@@ -5680,8 +5687,8 @@
           </p:sp>
         </mc:Fallback>
       </mc:AlternateContent>
-      <mc:AlternateContent xmlns:mc="http://schemas.openxmlformats.org/markup-compatibility/2006">
-        <mc:Choice xmlns:a14="http://schemas.microsoft.com/office/drawing/2010/main" Requires="a14">
+      <mc:AlternateContent xmlns:mc="http://schemas.openxmlformats.org/markup-compatibility/2006" xmlns:a14="http://schemas.microsoft.com/office/drawing/2010/main">
+        <mc:Choice Requires="a14">
           <p:sp>
             <p:nvSpPr>
               <p:cNvPr id="59" name="TextBox 58">
@@ -5762,7 +5769,7 @@
             </p:txBody>
           </p:sp>
         </mc:Choice>
-        <mc:Fallback>
+        <mc:Fallback xmlns="">
           <p:sp>
             <p:nvSpPr>
               <p:cNvPr id="59" name="TextBox 58">
@@ -5807,8 +5814,8 @@
           </p:sp>
         </mc:Fallback>
       </mc:AlternateContent>
-      <mc:AlternateContent xmlns:mc="http://schemas.openxmlformats.org/markup-compatibility/2006">
-        <mc:Choice xmlns:a14="http://schemas.microsoft.com/office/drawing/2010/main" Requires="a14">
+      <mc:AlternateContent xmlns:mc="http://schemas.openxmlformats.org/markup-compatibility/2006" xmlns:a14="http://schemas.microsoft.com/office/drawing/2010/main">
+        <mc:Choice Requires="a14">
           <p:sp>
             <p:nvSpPr>
               <p:cNvPr id="60" name="TextBox 59">
@@ -5889,7 +5896,7 @@
             </p:txBody>
           </p:sp>
         </mc:Choice>
-        <mc:Fallback>
+        <mc:Fallback xmlns="">
           <p:sp>
             <p:nvSpPr>
               <p:cNvPr id="60" name="TextBox 59">
@@ -5934,8 +5941,8 @@
           </p:sp>
         </mc:Fallback>
       </mc:AlternateContent>
-      <mc:AlternateContent xmlns:mc="http://schemas.openxmlformats.org/markup-compatibility/2006">
-        <mc:Choice xmlns:a14="http://schemas.microsoft.com/office/drawing/2010/main" Requires="a14">
+      <mc:AlternateContent xmlns:mc="http://schemas.openxmlformats.org/markup-compatibility/2006" xmlns:a14="http://schemas.microsoft.com/office/drawing/2010/main">
+        <mc:Choice Requires="a14">
           <p:sp>
             <p:nvSpPr>
               <p:cNvPr id="61" name="TextBox 60">
@@ -6016,7 +6023,7 @@
             </p:txBody>
           </p:sp>
         </mc:Choice>
-        <mc:Fallback>
+        <mc:Fallback xmlns="">
           <p:sp>
             <p:nvSpPr>
               <p:cNvPr id="61" name="TextBox 60">
@@ -6061,8 +6068,8 @@
           </p:sp>
         </mc:Fallback>
       </mc:AlternateContent>
-      <mc:AlternateContent xmlns:mc="http://schemas.openxmlformats.org/markup-compatibility/2006">
-        <mc:Choice xmlns:a14="http://schemas.microsoft.com/office/drawing/2010/main" Requires="a14">
+      <mc:AlternateContent xmlns:mc="http://schemas.openxmlformats.org/markup-compatibility/2006" xmlns:a14="http://schemas.microsoft.com/office/drawing/2010/main">
+        <mc:Choice Requires="a14">
           <p:sp>
             <p:nvSpPr>
               <p:cNvPr id="62" name="TextBox 61">
@@ -6143,7 +6150,7 @@
             </p:txBody>
           </p:sp>
         </mc:Choice>
-        <mc:Fallback>
+        <mc:Fallback xmlns="">
           <p:sp>
             <p:nvSpPr>
               <p:cNvPr id="62" name="TextBox 61">
@@ -6188,8 +6195,8 @@
           </p:sp>
         </mc:Fallback>
       </mc:AlternateContent>
-      <mc:AlternateContent xmlns:mc="http://schemas.openxmlformats.org/markup-compatibility/2006">
-        <mc:Choice xmlns:a14="http://schemas.microsoft.com/office/drawing/2010/main" Requires="a14">
+      <mc:AlternateContent xmlns:mc="http://schemas.openxmlformats.org/markup-compatibility/2006" xmlns:a14="http://schemas.microsoft.com/office/drawing/2010/main">
+        <mc:Choice Requires="a14">
           <p:sp>
             <p:nvSpPr>
               <p:cNvPr id="63" name="TextBox 62">
@@ -6270,7 +6277,7 @@
             </p:txBody>
           </p:sp>
         </mc:Choice>
-        <mc:Fallback>
+        <mc:Fallback xmlns="">
           <p:sp>
             <p:nvSpPr>
               <p:cNvPr id="63" name="TextBox 62">
@@ -6315,8 +6322,8 @@
           </p:sp>
         </mc:Fallback>
       </mc:AlternateContent>
-      <mc:AlternateContent xmlns:mc="http://schemas.openxmlformats.org/markup-compatibility/2006">
-        <mc:Choice xmlns:a14="http://schemas.microsoft.com/office/drawing/2010/main" Requires="a14">
+      <mc:AlternateContent xmlns:mc="http://schemas.openxmlformats.org/markup-compatibility/2006" xmlns:a14="http://schemas.microsoft.com/office/drawing/2010/main">
+        <mc:Choice Requires="a14">
           <p:sp>
             <p:nvSpPr>
               <p:cNvPr id="64" name="TextBox 63">
@@ -6397,7 +6404,7 @@
             </p:txBody>
           </p:sp>
         </mc:Choice>
-        <mc:Fallback>
+        <mc:Fallback xmlns="">
           <p:sp>
             <p:nvSpPr>
               <p:cNvPr id="64" name="TextBox 63">
@@ -6442,8 +6449,8 @@
           </p:sp>
         </mc:Fallback>
       </mc:AlternateContent>
-      <mc:AlternateContent xmlns:mc="http://schemas.openxmlformats.org/markup-compatibility/2006">
-        <mc:Choice xmlns:a14="http://schemas.microsoft.com/office/drawing/2010/main" Requires="a14">
+      <mc:AlternateContent xmlns:mc="http://schemas.openxmlformats.org/markup-compatibility/2006" xmlns:a14="http://schemas.microsoft.com/office/drawing/2010/main">
+        <mc:Choice Requires="a14">
           <p:sp>
             <p:nvSpPr>
               <p:cNvPr id="65" name="TextBox 64">
@@ -6524,7 +6531,7 @@
             </p:txBody>
           </p:sp>
         </mc:Choice>
-        <mc:Fallback>
+        <mc:Fallback xmlns="">
           <p:sp>
             <p:nvSpPr>
               <p:cNvPr id="65" name="TextBox 64">
@@ -8023,6 +8030,2111 @@
     <p:extLst>
       <p:ext uri="{BB962C8B-B14F-4D97-AF65-F5344CB8AC3E}">
         <p14:creationId xmlns:p14="http://schemas.microsoft.com/office/powerpoint/2010/main" val="713070817"/>
+      </p:ext>
+    </p:extLst>
+  </p:cSld>
+  <p:clrMapOvr>
+    <a:masterClrMapping/>
+  </p:clrMapOvr>
+</p:sld>
+</file>
+
+<file path=ppt/slides/slide2.xml><?xml version="1.0" encoding="utf-8"?>
+<p:sld xmlns:a="http://schemas.openxmlformats.org/drawingml/2006/main" xmlns:r="http://schemas.openxmlformats.org/officeDocument/2006/relationships" xmlns:p="http://schemas.openxmlformats.org/presentationml/2006/main">
+  <p:cSld>
+    <p:spTree>
+      <p:nvGrpSpPr>
+        <p:cNvPr id="1" name="">
+          <a:extLst>
+            <a:ext uri="{FF2B5EF4-FFF2-40B4-BE49-F238E27FC236}">
+              <a16:creationId xmlns:a16="http://schemas.microsoft.com/office/drawing/2014/main" id="{49469AFD-FBF5-792B-286B-A3778899048C}"/>
+            </a:ext>
+          </a:extLst>
+        </p:cNvPr>
+        <p:cNvGrpSpPr/>
+        <p:nvPr/>
+      </p:nvGrpSpPr>
+      <p:grpSpPr>
+        <a:xfrm>
+          <a:off x="0" y="0"/>
+          <a:ext cx="0" cy="0"/>
+          <a:chOff x="0" y="0"/>
+          <a:chExt cx="0" cy="0"/>
+        </a:xfrm>
+      </p:grpSpPr>
+      <p:cxnSp>
+        <p:nvCxnSpPr>
+          <p:cNvPr id="2" name="Straight Connector 1">
+            <a:extLst>
+              <a:ext uri="{FF2B5EF4-FFF2-40B4-BE49-F238E27FC236}">
+                <a16:creationId xmlns:a16="http://schemas.microsoft.com/office/drawing/2014/main" id="{0B5A680C-A187-BD6B-16A7-94AEC7F5585F}"/>
+              </a:ext>
+            </a:extLst>
+          </p:cNvPr>
+          <p:cNvCxnSpPr>
+            <a:cxnSpLocks/>
+          </p:cNvCxnSpPr>
+          <p:nvPr/>
+        </p:nvCxnSpPr>
+        <p:spPr>
+          <a:xfrm>
+            <a:off x="1080000" y="1080000"/>
+            <a:ext cx="1800000" cy="0"/>
+          </a:xfrm>
+          <a:prstGeom prst="line">
+            <a:avLst/>
+          </a:prstGeom>
+          <a:ln w="12700">
+            <a:solidFill>
+              <a:schemeClr val="bg1">
+                <a:lumMod val="75000"/>
+              </a:schemeClr>
+            </a:solidFill>
+            <a:prstDash val="lgDash"/>
+            <a:headEnd type="none"/>
+            <a:tailEnd type="none"/>
+          </a:ln>
+        </p:spPr>
+        <p:style>
+          <a:lnRef idx="1">
+            <a:schemeClr val="accent1"/>
+          </a:lnRef>
+          <a:fillRef idx="0">
+            <a:schemeClr val="accent1"/>
+          </a:fillRef>
+          <a:effectRef idx="0">
+            <a:schemeClr val="accent1"/>
+          </a:effectRef>
+          <a:fontRef idx="minor">
+            <a:schemeClr val="tx1"/>
+          </a:fontRef>
+        </p:style>
+      </p:cxnSp>
+      <p:cxnSp>
+        <p:nvCxnSpPr>
+          <p:cNvPr id="3" name="Straight Connector 2">
+            <a:extLst>
+              <a:ext uri="{FF2B5EF4-FFF2-40B4-BE49-F238E27FC236}">
+                <a16:creationId xmlns:a16="http://schemas.microsoft.com/office/drawing/2014/main" id="{0144496D-D094-4B2D-1A1D-4624EB378C9E}"/>
+              </a:ext>
+            </a:extLst>
+          </p:cNvPr>
+          <p:cNvCxnSpPr>
+            <a:cxnSpLocks/>
+          </p:cNvCxnSpPr>
+          <p:nvPr/>
+        </p:nvCxnSpPr>
+        <p:spPr>
+          <a:xfrm>
+            <a:off x="1080000" y="1440000"/>
+            <a:ext cx="1800000" cy="0"/>
+          </a:xfrm>
+          <a:prstGeom prst="line">
+            <a:avLst/>
+          </a:prstGeom>
+          <a:ln w="12700">
+            <a:solidFill>
+              <a:schemeClr val="bg1">
+                <a:lumMod val="75000"/>
+              </a:schemeClr>
+            </a:solidFill>
+            <a:prstDash val="lgDash"/>
+            <a:headEnd type="none"/>
+            <a:tailEnd type="none"/>
+          </a:ln>
+        </p:spPr>
+        <p:style>
+          <a:lnRef idx="1">
+            <a:schemeClr val="accent1"/>
+          </a:lnRef>
+          <a:fillRef idx="0">
+            <a:schemeClr val="accent1"/>
+          </a:fillRef>
+          <a:effectRef idx="0">
+            <a:schemeClr val="accent1"/>
+          </a:effectRef>
+          <a:fontRef idx="minor">
+            <a:schemeClr val="tx1"/>
+          </a:fontRef>
+        </p:style>
+      </p:cxnSp>
+      <p:cxnSp>
+        <p:nvCxnSpPr>
+          <p:cNvPr id="5" name="Straight Connector 4">
+            <a:extLst>
+              <a:ext uri="{FF2B5EF4-FFF2-40B4-BE49-F238E27FC236}">
+                <a16:creationId xmlns:a16="http://schemas.microsoft.com/office/drawing/2014/main" id="{7C4ADCB6-4F9E-71C5-296D-38C00EBCFFCB}"/>
+              </a:ext>
+            </a:extLst>
+          </p:cNvPr>
+          <p:cNvCxnSpPr>
+            <a:cxnSpLocks/>
+          </p:cNvCxnSpPr>
+          <p:nvPr/>
+        </p:nvCxnSpPr>
+        <p:spPr>
+          <a:xfrm>
+            <a:off x="1080000" y="1800000"/>
+            <a:ext cx="1800000" cy="0"/>
+          </a:xfrm>
+          <a:prstGeom prst="line">
+            <a:avLst/>
+          </a:prstGeom>
+          <a:ln w="12700">
+            <a:solidFill>
+              <a:schemeClr val="bg1">
+                <a:lumMod val="75000"/>
+              </a:schemeClr>
+            </a:solidFill>
+            <a:prstDash val="lgDash"/>
+            <a:headEnd type="none"/>
+            <a:tailEnd type="none"/>
+          </a:ln>
+        </p:spPr>
+        <p:style>
+          <a:lnRef idx="1">
+            <a:schemeClr val="accent1"/>
+          </a:lnRef>
+          <a:fillRef idx="0">
+            <a:schemeClr val="accent1"/>
+          </a:fillRef>
+          <a:effectRef idx="0">
+            <a:schemeClr val="accent1"/>
+          </a:effectRef>
+          <a:fontRef idx="minor">
+            <a:schemeClr val="tx1"/>
+          </a:fontRef>
+        </p:style>
+      </p:cxnSp>
+      <p:cxnSp>
+        <p:nvCxnSpPr>
+          <p:cNvPr id="11" name="Straight Connector 10">
+            <a:extLst>
+              <a:ext uri="{FF2B5EF4-FFF2-40B4-BE49-F238E27FC236}">
+                <a16:creationId xmlns:a16="http://schemas.microsoft.com/office/drawing/2014/main" id="{02F97418-3329-7841-2408-8458645B21A5}"/>
+              </a:ext>
+            </a:extLst>
+          </p:cNvPr>
+          <p:cNvCxnSpPr>
+            <a:cxnSpLocks/>
+          </p:cNvCxnSpPr>
+          <p:nvPr/>
+        </p:nvCxnSpPr>
+        <p:spPr>
+          <a:xfrm>
+            <a:off x="1080000" y="2160000"/>
+            <a:ext cx="1800000" cy="0"/>
+          </a:xfrm>
+          <a:prstGeom prst="line">
+            <a:avLst/>
+          </a:prstGeom>
+          <a:ln w="12700">
+            <a:solidFill>
+              <a:schemeClr val="bg1">
+                <a:lumMod val="75000"/>
+              </a:schemeClr>
+            </a:solidFill>
+            <a:prstDash val="lgDash"/>
+            <a:headEnd type="none"/>
+            <a:tailEnd type="none"/>
+          </a:ln>
+        </p:spPr>
+        <p:style>
+          <a:lnRef idx="1">
+            <a:schemeClr val="accent1"/>
+          </a:lnRef>
+          <a:fillRef idx="0">
+            <a:schemeClr val="accent1"/>
+          </a:fillRef>
+          <a:effectRef idx="0">
+            <a:schemeClr val="accent1"/>
+          </a:effectRef>
+          <a:fontRef idx="minor">
+            <a:schemeClr val="tx1"/>
+          </a:fontRef>
+        </p:style>
+      </p:cxnSp>
+      <p:cxnSp>
+        <p:nvCxnSpPr>
+          <p:cNvPr id="13" name="Straight Connector 12">
+            <a:extLst>
+              <a:ext uri="{FF2B5EF4-FFF2-40B4-BE49-F238E27FC236}">
+                <a16:creationId xmlns:a16="http://schemas.microsoft.com/office/drawing/2014/main" id="{5BC1AEF9-68E0-4265-635E-E681519FF341}"/>
+              </a:ext>
+            </a:extLst>
+          </p:cNvPr>
+          <p:cNvCxnSpPr>
+            <a:cxnSpLocks/>
+          </p:cNvCxnSpPr>
+          <p:nvPr/>
+        </p:nvCxnSpPr>
+        <p:spPr>
+          <a:xfrm>
+            <a:off x="1440000" y="720000"/>
+            <a:ext cx="0" cy="1800000"/>
+          </a:xfrm>
+          <a:prstGeom prst="line">
+            <a:avLst/>
+          </a:prstGeom>
+          <a:ln w="12700">
+            <a:solidFill>
+              <a:schemeClr val="bg1">
+                <a:lumMod val="75000"/>
+              </a:schemeClr>
+            </a:solidFill>
+            <a:prstDash val="lgDash"/>
+            <a:headEnd type="none"/>
+            <a:tailEnd type="none"/>
+          </a:ln>
+        </p:spPr>
+        <p:style>
+          <a:lnRef idx="1">
+            <a:schemeClr val="accent1"/>
+          </a:lnRef>
+          <a:fillRef idx="0">
+            <a:schemeClr val="accent1"/>
+          </a:fillRef>
+          <a:effectRef idx="0">
+            <a:schemeClr val="accent1"/>
+          </a:effectRef>
+          <a:fontRef idx="minor">
+            <a:schemeClr val="tx1"/>
+          </a:fontRef>
+        </p:style>
+      </p:cxnSp>
+      <p:cxnSp>
+        <p:nvCxnSpPr>
+          <p:cNvPr id="34" name="Straight Connector 33">
+            <a:extLst>
+              <a:ext uri="{FF2B5EF4-FFF2-40B4-BE49-F238E27FC236}">
+                <a16:creationId xmlns:a16="http://schemas.microsoft.com/office/drawing/2014/main" id="{6CB867BE-DE3C-0DD7-EB02-7603CAA5636C}"/>
+              </a:ext>
+            </a:extLst>
+          </p:cNvPr>
+          <p:cNvCxnSpPr>
+            <a:cxnSpLocks/>
+          </p:cNvCxnSpPr>
+          <p:nvPr/>
+        </p:nvCxnSpPr>
+        <p:spPr>
+          <a:xfrm>
+            <a:off x="1800000" y="720000"/>
+            <a:ext cx="0" cy="1800000"/>
+          </a:xfrm>
+          <a:prstGeom prst="line">
+            <a:avLst/>
+          </a:prstGeom>
+          <a:ln w="12700">
+            <a:solidFill>
+              <a:schemeClr val="bg1">
+                <a:lumMod val="75000"/>
+              </a:schemeClr>
+            </a:solidFill>
+            <a:prstDash val="lgDash"/>
+            <a:headEnd type="none"/>
+            <a:tailEnd type="none"/>
+          </a:ln>
+        </p:spPr>
+        <p:style>
+          <a:lnRef idx="1">
+            <a:schemeClr val="accent1"/>
+          </a:lnRef>
+          <a:fillRef idx="0">
+            <a:schemeClr val="accent1"/>
+          </a:fillRef>
+          <a:effectRef idx="0">
+            <a:schemeClr val="accent1"/>
+          </a:effectRef>
+          <a:fontRef idx="minor">
+            <a:schemeClr val="tx1"/>
+          </a:fontRef>
+        </p:style>
+      </p:cxnSp>
+      <p:cxnSp>
+        <p:nvCxnSpPr>
+          <p:cNvPr id="56" name="Straight Connector 55">
+            <a:extLst>
+              <a:ext uri="{FF2B5EF4-FFF2-40B4-BE49-F238E27FC236}">
+                <a16:creationId xmlns:a16="http://schemas.microsoft.com/office/drawing/2014/main" id="{AD059BEC-CB72-9A45-81C3-C79B1C1A924F}"/>
+              </a:ext>
+            </a:extLst>
+          </p:cNvPr>
+          <p:cNvCxnSpPr>
+            <a:cxnSpLocks/>
+          </p:cNvCxnSpPr>
+          <p:nvPr/>
+        </p:nvCxnSpPr>
+        <p:spPr>
+          <a:xfrm>
+            <a:off x="2160000" y="720000"/>
+            <a:ext cx="0" cy="1800000"/>
+          </a:xfrm>
+          <a:prstGeom prst="line">
+            <a:avLst/>
+          </a:prstGeom>
+          <a:ln w="12700">
+            <a:solidFill>
+              <a:schemeClr val="bg1">
+                <a:lumMod val="75000"/>
+              </a:schemeClr>
+            </a:solidFill>
+            <a:prstDash val="lgDash"/>
+            <a:headEnd type="none"/>
+            <a:tailEnd type="none"/>
+          </a:ln>
+        </p:spPr>
+        <p:style>
+          <a:lnRef idx="1">
+            <a:schemeClr val="accent1"/>
+          </a:lnRef>
+          <a:fillRef idx="0">
+            <a:schemeClr val="accent1"/>
+          </a:fillRef>
+          <a:effectRef idx="0">
+            <a:schemeClr val="accent1"/>
+          </a:effectRef>
+          <a:fontRef idx="minor">
+            <a:schemeClr val="tx1"/>
+          </a:fontRef>
+        </p:style>
+      </p:cxnSp>
+      <p:cxnSp>
+        <p:nvCxnSpPr>
+          <p:cNvPr id="57" name="Straight Connector 56">
+            <a:extLst>
+              <a:ext uri="{FF2B5EF4-FFF2-40B4-BE49-F238E27FC236}">
+                <a16:creationId xmlns:a16="http://schemas.microsoft.com/office/drawing/2014/main" id="{0278C5BE-0FCD-2AB9-78C1-A051EF59FA7E}"/>
+              </a:ext>
+            </a:extLst>
+          </p:cNvPr>
+          <p:cNvCxnSpPr>
+            <a:cxnSpLocks/>
+          </p:cNvCxnSpPr>
+          <p:nvPr/>
+        </p:nvCxnSpPr>
+        <p:spPr>
+          <a:xfrm>
+            <a:off x="2520000" y="720000"/>
+            <a:ext cx="0" cy="1800000"/>
+          </a:xfrm>
+          <a:prstGeom prst="line">
+            <a:avLst/>
+          </a:prstGeom>
+          <a:ln w="12700">
+            <a:solidFill>
+              <a:schemeClr val="bg1">
+                <a:lumMod val="75000"/>
+              </a:schemeClr>
+            </a:solidFill>
+            <a:prstDash val="lgDash"/>
+            <a:headEnd type="none"/>
+            <a:tailEnd type="none"/>
+          </a:ln>
+        </p:spPr>
+        <p:style>
+          <a:lnRef idx="1">
+            <a:schemeClr val="accent1"/>
+          </a:lnRef>
+          <a:fillRef idx="0">
+            <a:schemeClr val="accent1"/>
+          </a:fillRef>
+          <a:effectRef idx="0">
+            <a:schemeClr val="accent1"/>
+          </a:effectRef>
+          <a:fontRef idx="minor">
+            <a:schemeClr val="tx1"/>
+          </a:fontRef>
+        </p:style>
+      </p:cxnSp>
+      <mc:AlternateContent xmlns:mc="http://schemas.openxmlformats.org/markup-compatibility/2006" xmlns:a14="http://schemas.microsoft.com/office/drawing/2010/main">
+        <mc:Choice Requires="a14">
+          <p:sp>
+            <p:nvSpPr>
+              <p:cNvPr id="67" name="TextBox 66">
+                <a:extLst>
+                  <a:ext uri="{FF2B5EF4-FFF2-40B4-BE49-F238E27FC236}">
+                    <a16:creationId xmlns:a16="http://schemas.microsoft.com/office/drawing/2014/main" id="{074FA050-CE56-B758-293B-77EF634D5C67}"/>
+                  </a:ext>
+                </a:extLst>
+              </p:cNvPr>
+              <p:cNvSpPr txBox="1"/>
+              <p:nvPr/>
+            </p:nvSpPr>
+            <p:spPr>
+              <a:xfrm>
+                <a:off x="353454" y="2036889"/>
+                <a:ext cx="726546" cy="246221"/>
+              </a:xfrm>
+              <a:prstGeom prst="rect">
+                <a:avLst/>
+              </a:prstGeom>
+              <a:noFill/>
+            </p:spPr>
+            <p:txBody>
+              <a:bodyPr wrap="none" rtlCol="0">
+                <a:spAutoFit/>
+              </a:bodyPr>
+              <a:lstStyle/>
+              <a:p>
+                <a:r>
+                  <a:rPr lang="en-US" sz="1000" dirty="0">
+                    <a:latin typeface="Times New Roman" panose="02020603050405020304" pitchFamily="18" charset="0"/>
+                    <a:cs typeface="Times New Roman" panose="02020603050405020304" pitchFamily="18" charset="0"/>
+                  </a:rPr>
+                  <a:t>Row </a:t>
+                </a:r>
+                <a14:m>
+                  <m:oMath xmlns:m="http://schemas.openxmlformats.org/officeDocument/2006/math">
+                    <m:r>
+                      <a:rPr lang="en-US" sz="1000" b="0" i="1" smtClean="0">
+                        <a:latin typeface="Cambria Math" panose="02040503050406030204" pitchFamily="18" charset="0"/>
+                        <a:cs typeface="Times New Roman" panose="02020603050405020304" pitchFamily="18" charset="0"/>
+                      </a:rPr>
+                      <m:t>𝑖</m:t>
+                    </m:r>
+                    <m:r>
+                      <a:rPr lang="en-US" sz="1000" b="0" i="1" smtClean="0">
+                        <a:latin typeface="Cambria Math" panose="02040503050406030204" pitchFamily="18" charset="0"/>
+                        <a:cs typeface="Times New Roman" panose="02020603050405020304" pitchFamily="18" charset="0"/>
+                      </a:rPr>
+                      <m:t>−1</m:t>
+                    </m:r>
+                  </m:oMath>
+                </a14:m>
+                <a:endParaRPr lang="en-US" sz="1000" b="0" dirty="0">
+                  <a:latin typeface="Times New Roman" panose="02020603050405020304" pitchFamily="18" charset="0"/>
+                  <a:cs typeface="Times New Roman" panose="02020603050405020304" pitchFamily="18" charset="0"/>
+                </a:endParaRPr>
+              </a:p>
+            </p:txBody>
+          </p:sp>
+        </mc:Choice>
+        <mc:Fallback xmlns="">
+          <p:sp>
+            <p:nvSpPr>
+              <p:cNvPr id="67" name="TextBox 66">
+                <a:extLst>
+                  <a:ext uri="{FF2B5EF4-FFF2-40B4-BE49-F238E27FC236}">
+                    <a16:creationId xmlns:a16="http://schemas.microsoft.com/office/drawing/2014/main" id="{074FA050-CE56-B758-293B-77EF634D5C67}"/>
+                  </a:ext>
+                </a:extLst>
+              </p:cNvPr>
+              <p:cNvSpPr txBox="1">
+                <a:spLocks noRot="1" noChangeAspect="1" noMove="1" noResize="1" noEditPoints="1" noAdjustHandles="1" noChangeArrowheads="1" noChangeShapeType="1" noTextEdit="1"/>
+              </p:cNvSpPr>
+              <p:nvPr/>
+            </p:nvSpPr>
+            <p:spPr>
+              <a:xfrm>
+                <a:off x="353454" y="2036889"/>
+                <a:ext cx="726546" cy="246221"/>
+              </a:xfrm>
+              <a:prstGeom prst="rect">
+                <a:avLst/>
+              </a:prstGeom>
+              <a:blipFill>
+                <a:blip r:embed="rId2"/>
+                <a:stretch>
+                  <a:fillRect b="-12195"/>
+                </a:stretch>
+              </a:blipFill>
+            </p:spPr>
+            <p:txBody>
+              <a:bodyPr/>
+              <a:lstStyle/>
+              <a:p>
+                <a:r>
+                  <a:rPr lang="en-US">
+                    <a:noFill/>
+                  </a:rPr>
+                  <a:t> </a:t>
+                </a:r>
+              </a:p>
+            </p:txBody>
+          </p:sp>
+        </mc:Fallback>
+      </mc:AlternateContent>
+      <mc:AlternateContent xmlns:mc="http://schemas.openxmlformats.org/markup-compatibility/2006" xmlns:a14="http://schemas.microsoft.com/office/drawing/2010/main">
+        <mc:Choice Requires="a14">
+          <p:sp>
+            <p:nvSpPr>
+              <p:cNvPr id="103" name="TextBox 102">
+                <a:extLst>
+                  <a:ext uri="{FF2B5EF4-FFF2-40B4-BE49-F238E27FC236}">
+                    <a16:creationId xmlns:a16="http://schemas.microsoft.com/office/drawing/2014/main" id="{675457F9-D256-24EB-A6E4-BB02131A819D}"/>
+                  </a:ext>
+                </a:extLst>
+              </p:cNvPr>
+              <p:cNvSpPr txBox="1"/>
+              <p:nvPr/>
+            </p:nvSpPr>
+            <p:spPr>
+              <a:xfrm>
+                <a:off x="353454" y="1676889"/>
+                <a:ext cx="502895" cy="246221"/>
+              </a:xfrm>
+              <a:prstGeom prst="rect">
+                <a:avLst/>
+              </a:prstGeom>
+              <a:noFill/>
+            </p:spPr>
+            <p:txBody>
+              <a:bodyPr wrap="none" rtlCol="0">
+                <a:spAutoFit/>
+              </a:bodyPr>
+              <a:lstStyle/>
+              <a:p>
+                <a:r>
+                  <a:rPr lang="en-US" sz="1000" dirty="0">
+                    <a:latin typeface="Times New Roman" panose="02020603050405020304" pitchFamily="18" charset="0"/>
+                    <a:cs typeface="Times New Roman" panose="02020603050405020304" pitchFamily="18" charset="0"/>
+                  </a:rPr>
+                  <a:t>Row </a:t>
+                </a:r>
+                <a14:m>
+                  <m:oMath xmlns:m="http://schemas.openxmlformats.org/officeDocument/2006/math">
+                    <m:r>
+                      <a:rPr lang="en-US" sz="1000" b="0" i="1" smtClean="0">
+                        <a:latin typeface="Cambria Math" panose="02040503050406030204" pitchFamily="18" charset="0"/>
+                        <a:cs typeface="Times New Roman" panose="02020603050405020304" pitchFamily="18" charset="0"/>
+                      </a:rPr>
+                      <m:t>𝑖</m:t>
+                    </m:r>
+                  </m:oMath>
+                </a14:m>
+                <a:endParaRPr lang="en-US" sz="1000" b="0" dirty="0">
+                  <a:latin typeface="Times New Roman" panose="02020603050405020304" pitchFamily="18" charset="0"/>
+                  <a:cs typeface="Times New Roman" panose="02020603050405020304" pitchFamily="18" charset="0"/>
+                </a:endParaRPr>
+              </a:p>
+            </p:txBody>
+          </p:sp>
+        </mc:Choice>
+        <mc:Fallback xmlns="">
+          <p:sp>
+            <p:nvSpPr>
+              <p:cNvPr id="103" name="TextBox 102">
+                <a:extLst>
+                  <a:ext uri="{FF2B5EF4-FFF2-40B4-BE49-F238E27FC236}">
+                    <a16:creationId xmlns:a16="http://schemas.microsoft.com/office/drawing/2014/main" id="{675457F9-D256-24EB-A6E4-BB02131A819D}"/>
+                  </a:ext>
+                </a:extLst>
+              </p:cNvPr>
+              <p:cNvSpPr txBox="1">
+                <a:spLocks noRot="1" noChangeAspect="1" noMove="1" noResize="1" noEditPoints="1" noAdjustHandles="1" noChangeArrowheads="1" noChangeShapeType="1" noTextEdit="1"/>
+              </p:cNvSpPr>
+              <p:nvPr/>
+            </p:nvSpPr>
+            <p:spPr>
+              <a:xfrm>
+                <a:off x="353454" y="1676889"/>
+                <a:ext cx="502895" cy="246221"/>
+              </a:xfrm>
+              <a:prstGeom prst="rect">
+                <a:avLst/>
+              </a:prstGeom>
+              <a:blipFill>
+                <a:blip r:embed="rId3"/>
+                <a:stretch>
+                  <a:fillRect b="-15000"/>
+                </a:stretch>
+              </a:blipFill>
+            </p:spPr>
+            <p:txBody>
+              <a:bodyPr/>
+              <a:lstStyle/>
+              <a:p>
+                <a:r>
+                  <a:rPr lang="en-US">
+                    <a:noFill/>
+                  </a:rPr>
+                  <a:t> </a:t>
+                </a:r>
+              </a:p>
+            </p:txBody>
+          </p:sp>
+        </mc:Fallback>
+      </mc:AlternateContent>
+      <mc:AlternateContent xmlns:mc="http://schemas.openxmlformats.org/markup-compatibility/2006" xmlns:a14="http://schemas.microsoft.com/office/drawing/2010/main">
+        <mc:Choice Requires="a14">
+          <p:sp>
+            <p:nvSpPr>
+              <p:cNvPr id="104" name="TextBox 103">
+                <a:extLst>
+                  <a:ext uri="{FF2B5EF4-FFF2-40B4-BE49-F238E27FC236}">
+                    <a16:creationId xmlns:a16="http://schemas.microsoft.com/office/drawing/2014/main" id="{C9A645B8-308A-CA14-0DE7-140C7C88A61E}"/>
+                  </a:ext>
+                </a:extLst>
+              </p:cNvPr>
+              <p:cNvSpPr txBox="1"/>
+              <p:nvPr/>
+            </p:nvSpPr>
+            <p:spPr>
+              <a:xfrm>
+                <a:off x="353453" y="1316889"/>
+                <a:ext cx="726546" cy="246221"/>
+              </a:xfrm>
+              <a:prstGeom prst="rect">
+                <a:avLst/>
+              </a:prstGeom>
+              <a:noFill/>
+            </p:spPr>
+            <p:txBody>
+              <a:bodyPr wrap="none" rtlCol="0">
+                <a:spAutoFit/>
+              </a:bodyPr>
+              <a:lstStyle/>
+              <a:p>
+                <a:r>
+                  <a:rPr lang="en-US" sz="1000" dirty="0">
+                    <a:latin typeface="Times New Roman" panose="02020603050405020304" pitchFamily="18" charset="0"/>
+                    <a:cs typeface="Times New Roman" panose="02020603050405020304" pitchFamily="18" charset="0"/>
+                  </a:rPr>
+                  <a:t>Row </a:t>
+                </a:r>
+                <a14:m>
+                  <m:oMath xmlns:m="http://schemas.openxmlformats.org/officeDocument/2006/math">
+                    <m:r>
+                      <a:rPr lang="en-US" sz="1000" b="0" i="1" smtClean="0">
+                        <a:latin typeface="Cambria Math" panose="02040503050406030204" pitchFamily="18" charset="0"/>
+                        <a:cs typeface="Times New Roman" panose="02020603050405020304" pitchFamily="18" charset="0"/>
+                      </a:rPr>
+                      <m:t>𝑖</m:t>
+                    </m:r>
+                    <m:r>
+                      <a:rPr lang="en-US" sz="1000" b="0" i="1" smtClean="0">
+                        <a:latin typeface="Cambria Math" panose="02040503050406030204" pitchFamily="18" charset="0"/>
+                        <a:cs typeface="Times New Roman" panose="02020603050405020304" pitchFamily="18" charset="0"/>
+                      </a:rPr>
+                      <m:t>+1</m:t>
+                    </m:r>
+                  </m:oMath>
+                </a14:m>
+                <a:endParaRPr lang="en-US" sz="1000" b="0" dirty="0">
+                  <a:latin typeface="Times New Roman" panose="02020603050405020304" pitchFamily="18" charset="0"/>
+                  <a:cs typeface="Times New Roman" panose="02020603050405020304" pitchFamily="18" charset="0"/>
+                </a:endParaRPr>
+              </a:p>
+            </p:txBody>
+          </p:sp>
+        </mc:Choice>
+        <mc:Fallback xmlns="">
+          <p:sp>
+            <p:nvSpPr>
+              <p:cNvPr id="104" name="TextBox 103">
+                <a:extLst>
+                  <a:ext uri="{FF2B5EF4-FFF2-40B4-BE49-F238E27FC236}">
+                    <a16:creationId xmlns:a16="http://schemas.microsoft.com/office/drawing/2014/main" id="{C9A645B8-308A-CA14-0DE7-140C7C88A61E}"/>
+                  </a:ext>
+                </a:extLst>
+              </p:cNvPr>
+              <p:cNvSpPr txBox="1">
+                <a:spLocks noRot="1" noChangeAspect="1" noMove="1" noResize="1" noEditPoints="1" noAdjustHandles="1" noChangeArrowheads="1" noChangeShapeType="1" noTextEdit="1"/>
+              </p:cNvSpPr>
+              <p:nvPr/>
+            </p:nvSpPr>
+            <p:spPr>
+              <a:xfrm>
+                <a:off x="353453" y="1316889"/>
+                <a:ext cx="726546" cy="246221"/>
+              </a:xfrm>
+              <a:prstGeom prst="rect">
+                <a:avLst/>
+              </a:prstGeom>
+              <a:blipFill>
+                <a:blip r:embed="rId4"/>
+                <a:stretch>
+                  <a:fillRect b="-15000"/>
+                </a:stretch>
+              </a:blipFill>
+            </p:spPr>
+            <p:txBody>
+              <a:bodyPr/>
+              <a:lstStyle/>
+              <a:p>
+                <a:r>
+                  <a:rPr lang="en-US">
+                    <a:noFill/>
+                  </a:rPr>
+                  <a:t> </a:t>
+                </a:r>
+              </a:p>
+            </p:txBody>
+          </p:sp>
+        </mc:Fallback>
+      </mc:AlternateContent>
+      <mc:AlternateContent xmlns:mc="http://schemas.openxmlformats.org/markup-compatibility/2006" xmlns:a14="http://schemas.microsoft.com/office/drawing/2010/main">
+        <mc:Choice Requires="a14">
+          <p:sp>
+            <p:nvSpPr>
+              <p:cNvPr id="106" name="TextBox 105">
+                <a:extLst>
+                  <a:ext uri="{FF2B5EF4-FFF2-40B4-BE49-F238E27FC236}">
+                    <a16:creationId xmlns:a16="http://schemas.microsoft.com/office/drawing/2014/main" id="{69767881-7E63-1D1E-CCF1-DFFC5647BFE1}"/>
+                  </a:ext>
+                </a:extLst>
+              </p:cNvPr>
+              <p:cNvSpPr txBox="1"/>
+              <p:nvPr/>
+            </p:nvSpPr>
+            <p:spPr>
+              <a:xfrm>
+                <a:off x="344968" y="956889"/>
+                <a:ext cx="726546" cy="246221"/>
+              </a:xfrm>
+              <a:prstGeom prst="rect">
+                <a:avLst/>
+              </a:prstGeom>
+              <a:noFill/>
+            </p:spPr>
+            <p:txBody>
+              <a:bodyPr wrap="none" rtlCol="0">
+                <a:spAutoFit/>
+              </a:bodyPr>
+              <a:lstStyle/>
+              <a:p>
+                <a:r>
+                  <a:rPr lang="en-US" sz="1000" dirty="0">
+                    <a:latin typeface="Times New Roman" panose="02020603050405020304" pitchFamily="18" charset="0"/>
+                    <a:cs typeface="Times New Roman" panose="02020603050405020304" pitchFamily="18" charset="0"/>
+                  </a:rPr>
+                  <a:t>Row </a:t>
+                </a:r>
+                <a14:m>
+                  <m:oMath xmlns:m="http://schemas.openxmlformats.org/officeDocument/2006/math">
+                    <m:r>
+                      <a:rPr lang="en-US" sz="1000" b="0" i="1" smtClean="0">
+                        <a:latin typeface="Cambria Math" panose="02040503050406030204" pitchFamily="18" charset="0"/>
+                        <a:cs typeface="Times New Roman" panose="02020603050405020304" pitchFamily="18" charset="0"/>
+                      </a:rPr>
+                      <m:t>𝑖</m:t>
+                    </m:r>
+                    <m:r>
+                      <a:rPr lang="en-US" sz="1000" b="0" i="1" smtClean="0">
+                        <a:latin typeface="Cambria Math" panose="02040503050406030204" pitchFamily="18" charset="0"/>
+                        <a:cs typeface="Times New Roman" panose="02020603050405020304" pitchFamily="18" charset="0"/>
+                      </a:rPr>
+                      <m:t>+2</m:t>
+                    </m:r>
+                  </m:oMath>
+                </a14:m>
+                <a:endParaRPr lang="en-US" sz="1000" b="0" dirty="0">
+                  <a:latin typeface="Times New Roman" panose="02020603050405020304" pitchFamily="18" charset="0"/>
+                  <a:cs typeface="Times New Roman" panose="02020603050405020304" pitchFamily="18" charset="0"/>
+                </a:endParaRPr>
+              </a:p>
+            </p:txBody>
+          </p:sp>
+        </mc:Choice>
+        <mc:Fallback xmlns="">
+          <p:sp>
+            <p:nvSpPr>
+              <p:cNvPr id="106" name="TextBox 105">
+                <a:extLst>
+                  <a:ext uri="{FF2B5EF4-FFF2-40B4-BE49-F238E27FC236}">
+                    <a16:creationId xmlns:a16="http://schemas.microsoft.com/office/drawing/2014/main" id="{69767881-7E63-1D1E-CCF1-DFFC5647BFE1}"/>
+                  </a:ext>
+                </a:extLst>
+              </p:cNvPr>
+              <p:cNvSpPr txBox="1">
+                <a:spLocks noRot="1" noChangeAspect="1" noMove="1" noResize="1" noEditPoints="1" noAdjustHandles="1" noChangeArrowheads="1" noChangeShapeType="1" noTextEdit="1"/>
+              </p:cNvSpPr>
+              <p:nvPr/>
+            </p:nvSpPr>
+            <p:spPr>
+              <a:xfrm>
+                <a:off x="344968" y="956889"/>
+                <a:ext cx="726546" cy="246221"/>
+              </a:xfrm>
+              <a:prstGeom prst="rect">
+                <a:avLst/>
+              </a:prstGeom>
+              <a:blipFill>
+                <a:blip r:embed="rId5"/>
+                <a:stretch>
+                  <a:fillRect b="-12500"/>
+                </a:stretch>
+              </a:blipFill>
+            </p:spPr>
+            <p:txBody>
+              <a:bodyPr/>
+              <a:lstStyle/>
+              <a:p>
+                <a:r>
+                  <a:rPr lang="en-US">
+                    <a:noFill/>
+                  </a:rPr>
+                  <a:t> </a:t>
+                </a:r>
+              </a:p>
+            </p:txBody>
+          </p:sp>
+        </mc:Fallback>
+      </mc:AlternateContent>
+      <p:sp>
+        <p:nvSpPr>
+          <p:cNvPr id="108" name="TextBox 107">
+            <a:extLst>
+              <a:ext uri="{FF2B5EF4-FFF2-40B4-BE49-F238E27FC236}">
+                <a16:creationId xmlns:a16="http://schemas.microsoft.com/office/drawing/2014/main" id="{EB329E63-FDC2-C738-44BC-58765BB02CFE}"/>
+              </a:ext>
+            </a:extLst>
+          </p:cNvPr>
+          <p:cNvSpPr txBox="1"/>
+          <p:nvPr/>
+        </p:nvSpPr>
+        <p:spPr>
+          <a:xfrm>
+            <a:off x="1255494" y="249289"/>
+            <a:ext cx="369011" cy="400110"/>
+          </a:xfrm>
+          <a:prstGeom prst="rect">
+            <a:avLst/>
+          </a:prstGeom>
+          <a:noFill/>
+        </p:spPr>
+        <p:txBody>
+          <a:bodyPr wrap="none" rtlCol="0">
+            <a:spAutoFit/>
+          </a:bodyPr>
+          <a:lstStyle/>
+          <a:p>
+            <a:pPr algn="ctr"/>
+            <a:r>
+              <a:rPr lang="en-US" sz="1000" dirty="0">
+                <a:latin typeface="Times New Roman" panose="02020603050405020304" pitchFamily="18" charset="0"/>
+                <a:cs typeface="Times New Roman" panose="02020603050405020304" pitchFamily="18" charset="0"/>
+              </a:rPr>
+              <a:t>Col</a:t>
+            </a:r>
+            <a:br>
+              <a:rPr lang="en-US" sz="1000" dirty="0">
+                <a:latin typeface="Times New Roman" panose="02020603050405020304" pitchFamily="18" charset="0"/>
+                <a:cs typeface="Times New Roman" panose="02020603050405020304" pitchFamily="18" charset="0"/>
+              </a:rPr>
+            </a:br>
+            <a:r>
+              <a:rPr lang="en-US" sz="1000" dirty="0">
+                <a:latin typeface="Times New Roman" panose="02020603050405020304" pitchFamily="18" charset="0"/>
+                <a:cs typeface="Times New Roman" panose="02020603050405020304" pitchFamily="18" charset="0"/>
+              </a:rPr>
+              <a:t>j-1</a:t>
+            </a:r>
+          </a:p>
+        </p:txBody>
+      </p:sp>
+      <p:sp>
+        <p:nvSpPr>
+          <p:cNvPr id="109" name="TextBox 108">
+            <a:extLst>
+              <a:ext uri="{FF2B5EF4-FFF2-40B4-BE49-F238E27FC236}">
+                <a16:creationId xmlns:a16="http://schemas.microsoft.com/office/drawing/2014/main" id="{6E398396-1340-559D-BFDE-78E1F7F4379C}"/>
+              </a:ext>
+            </a:extLst>
+          </p:cNvPr>
+          <p:cNvSpPr txBox="1"/>
+          <p:nvPr/>
+        </p:nvSpPr>
+        <p:spPr>
+          <a:xfrm>
+            <a:off x="1624505" y="249289"/>
+            <a:ext cx="369011" cy="400110"/>
+          </a:xfrm>
+          <a:prstGeom prst="rect">
+            <a:avLst/>
+          </a:prstGeom>
+          <a:noFill/>
+        </p:spPr>
+        <p:txBody>
+          <a:bodyPr wrap="none" rtlCol="0">
+            <a:spAutoFit/>
+          </a:bodyPr>
+          <a:lstStyle/>
+          <a:p>
+            <a:pPr algn="ctr"/>
+            <a:r>
+              <a:rPr lang="en-US" sz="1000" dirty="0">
+                <a:latin typeface="Times New Roman" panose="02020603050405020304" pitchFamily="18" charset="0"/>
+                <a:cs typeface="Times New Roman" panose="02020603050405020304" pitchFamily="18" charset="0"/>
+              </a:rPr>
+              <a:t>Col</a:t>
+            </a:r>
+            <a:br>
+              <a:rPr lang="en-US" sz="1000" dirty="0">
+                <a:latin typeface="Times New Roman" panose="02020603050405020304" pitchFamily="18" charset="0"/>
+                <a:cs typeface="Times New Roman" panose="02020603050405020304" pitchFamily="18" charset="0"/>
+              </a:rPr>
+            </a:br>
+            <a:r>
+              <a:rPr lang="en-US" sz="1000" dirty="0">
+                <a:latin typeface="Times New Roman" panose="02020603050405020304" pitchFamily="18" charset="0"/>
+                <a:cs typeface="Times New Roman" panose="02020603050405020304" pitchFamily="18" charset="0"/>
+              </a:rPr>
+              <a:t>j</a:t>
+            </a:r>
+          </a:p>
+        </p:txBody>
+      </p:sp>
+      <p:sp>
+        <p:nvSpPr>
+          <p:cNvPr id="110" name="TextBox 109">
+            <a:extLst>
+              <a:ext uri="{FF2B5EF4-FFF2-40B4-BE49-F238E27FC236}">
+                <a16:creationId xmlns:a16="http://schemas.microsoft.com/office/drawing/2014/main" id="{9C7394A1-CCDC-B8FE-2CB9-B2D0F7CDF78A}"/>
+              </a:ext>
+            </a:extLst>
+          </p:cNvPr>
+          <p:cNvSpPr txBox="1"/>
+          <p:nvPr/>
+        </p:nvSpPr>
+        <p:spPr>
+          <a:xfrm>
+            <a:off x="1993516" y="245258"/>
+            <a:ext cx="369011" cy="400110"/>
+          </a:xfrm>
+          <a:prstGeom prst="rect">
+            <a:avLst/>
+          </a:prstGeom>
+          <a:noFill/>
+        </p:spPr>
+        <p:txBody>
+          <a:bodyPr wrap="none" rtlCol="0">
+            <a:spAutoFit/>
+          </a:bodyPr>
+          <a:lstStyle/>
+          <a:p>
+            <a:pPr algn="ctr"/>
+            <a:r>
+              <a:rPr lang="en-US" sz="1000" dirty="0">
+                <a:latin typeface="Times New Roman" panose="02020603050405020304" pitchFamily="18" charset="0"/>
+                <a:cs typeface="Times New Roman" panose="02020603050405020304" pitchFamily="18" charset="0"/>
+              </a:rPr>
+              <a:t>Col</a:t>
+            </a:r>
+            <a:br>
+              <a:rPr lang="en-US" sz="1000" dirty="0">
+                <a:latin typeface="Times New Roman" panose="02020603050405020304" pitchFamily="18" charset="0"/>
+                <a:cs typeface="Times New Roman" panose="02020603050405020304" pitchFamily="18" charset="0"/>
+              </a:rPr>
+            </a:br>
+            <a:r>
+              <a:rPr lang="en-US" sz="1000" dirty="0">
+                <a:latin typeface="Times New Roman" panose="02020603050405020304" pitchFamily="18" charset="0"/>
+                <a:cs typeface="Times New Roman" panose="02020603050405020304" pitchFamily="18" charset="0"/>
+              </a:rPr>
+              <a:t>j+1</a:t>
+            </a:r>
+          </a:p>
+        </p:txBody>
+      </p:sp>
+      <p:sp>
+        <p:nvSpPr>
+          <p:cNvPr id="111" name="TextBox 110">
+            <a:extLst>
+              <a:ext uri="{FF2B5EF4-FFF2-40B4-BE49-F238E27FC236}">
+                <a16:creationId xmlns:a16="http://schemas.microsoft.com/office/drawing/2014/main" id="{D2E696D5-D7C0-F09B-4D69-43EB794A7841}"/>
+              </a:ext>
+            </a:extLst>
+          </p:cNvPr>
+          <p:cNvSpPr txBox="1"/>
+          <p:nvPr/>
+        </p:nvSpPr>
+        <p:spPr>
+          <a:xfrm>
+            <a:off x="2335494" y="249289"/>
+            <a:ext cx="369011" cy="400110"/>
+          </a:xfrm>
+          <a:prstGeom prst="rect">
+            <a:avLst/>
+          </a:prstGeom>
+          <a:noFill/>
+        </p:spPr>
+        <p:txBody>
+          <a:bodyPr wrap="none" rtlCol="0">
+            <a:spAutoFit/>
+          </a:bodyPr>
+          <a:lstStyle/>
+          <a:p>
+            <a:pPr algn="ctr"/>
+            <a:r>
+              <a:rPr lang="en-US" sz="1000" dirty="0">
+                <a:latin typeface="Times New Roman" panose="02020603050405020304" pitchFamily="18" charset="0"/>
+                <a:cs typeface="Times New Roman" panose="02020603050405020304" pitchFamily="18" charset="0"/>
+              </a:rPr>
+              <a:t>Col</a:t>
+            </a:r>
+            <a:br>
+              <a:rPr lang="en-US" sz="1000" dirty="0">
+                <a:latin typeface="Times New Roman" panose="02020603050405020304" pitchFamily="18" charset="0"/>
+                <a:cs typeface="Times New Roman" panose="02020603050405020304" pitchFamily="18" charset="0"/>
+              </a:rPr>
+            </a:br>
+            <a:r>
+              <a:rPr lang="en-US" sz="1000" dirty="0">
+                <a:latin typeface="Times New Roman" panose="02020603050405020304" pitchFamily="18" charset="0"/>
+                <a:cs typeface="Times New Roman" panose="02020603050405020304" pitchFamily="18" charset="0"/>
+              </a:rPr>
+              <a:t>j+2</a:t>
+            </a:r>
+          </a:p>
+        </p:txBody>
+      </p:sp>
+      <p:sp>
+        <p:nvSpPr>
+          <p:cNvPr id="112" name="Oval 111">
+            <a:extLst>
+              <a:ext uri="{FF2B5EF4-FFF2-40B4-BE49-F238E27FC236}">
+                <a16:creationId xmlns:a16="http://schemas.microsoft.com/office/drawing/2014/main" id="{0B6289CC-4D7F-C5F2-68D3-981327FB9CE3}"/>
+              </a:ext>
+            </a:extLst>
+          </p:cNvPr>
+          <p:cNvSpPr/>
+          <p:nvPr/>
+        </p:nvSpPr>
+        <p:spPr>
+          <a:xfrm>
+            <a:off x="1764000" y="1403999"/>
+            <a:ext cx="72000" cy="72000"/>
+          </a:xfrm>
+          <a:prstGeom prst="ellipse">
+            <a:avLst/>
+          </a:prstGeom>
+          <a:solidFill>
+            <a:srgbClr val="002060"/>
+          </a:solidFill>
+          <a:ln>
+            <a:solidFill>
+              <a:srgbClr val="002060"/>
+            </a:solidFill>
+          </a:ln>
+        </p:spPr>
+        <p:style>
+          <a:lnRef idx="2">
+            <a:schemeClr val="dk1">
+              <a:shade val="15000"/>
+            </a:schemeClr>
+          </a:lnRef>
+          <a:fillRef idx="1">
+            <a:schemeClr val="dk1"/>
+          </a:fillRef>
+          <a:effectRef idx="0">
+            <a:schemeClr val="dk1"/>
+          </a:effectRef>
+          <a:fontRef idx="minor">
+            <a:schemeClr val="lt1"/>
+          </a:fontRef>
+        </p:style>
+        <p:txBody>
+          <a:bodyPr rtlCol="0" anchor="ctr"/>
+          <a:lstStyle/>
+          <a:p>
+            <a:pPr algn="ctr"/>
+            <a:endParaRPr lang="en-US">
+              <a:solidFill>
+                <a:srgbClr val="00B0F0"/>
+              </a:solidFill>
+            </a:endParaRPr>
+          </a:p>
+        </p:txBody>
+      </p:sp>
+      <p:sp>
+        <p:nvSpPr>
+          <p:cNvPr id="113" name="Oval 112">
+            <a:extLst>
+              <a:ext uri="{FF2B5EF4-FFF2-40B4-BE49-F238E27FC236}">
+                <a16:creationId xmlns:a16="http://schemas.microsoft.com/office/drawing/2014/main" id="{712937C5-EBDA-DD6C-5E36-05A766289788}"/>
+              </a:ext>
+            </a:extLst>
+          </p:cNvPr>
+          <p:cNvSpPr/>
+          <p:nvPr/>
+        </p:nvSpPr>
+        <p:spPr>
+          <a:xfrm>
+            <a:off x="2123999" y="1403999"/>
+            <a:ext cx="72000" cy="72000"/>
+          </a:xfrm>
+          <a:prstGeom prst="ellipse">
+            <a:avLst/>
+          </a:prstGeom>
+        </p:spPr>
+        <p:style>
+          <a:lnRef idx="2">
+            <a:schemeClr val="dk1">
+              <a:shade val="15000"/>
+            </a:schemeClr>
+          </a:lnRef>
+          <a:fillRef idx="1">
+            <a:schemeClr val="dk1"/>
+          </a:fillRef>
+          <a:effectRef idx="0">
+            <a:schemeClr val="dk1"/>
+          </a:effectRef>
+          <a:fontRef idx="minor">
+            <a:schemeClr val="lt1"/>
+          </a:fontRef>
+        </p:style>
+        <p:txBody>
+          <a:bodyPr rtlCol="0" anchor="ctr"/>
+          <a:lstStyle/>
+          <a:p>
+            <a:pPr algn="ctr"/>
+            <a:endParaRPr lang="en-US"/>
+          </a:p>
+        </p:txBody>
+      </p:sp>
+      <p:sp>
+        <p:nvSpPr>
+          <p:cNvPr id="114" name="Oval 113">
+            <a:extLst>
+              <a:ext uri="{FF2B5EF4-FFF2-40B4-BE49-F238E27FC236}">
+                <a16:creationId xmlns:a16="http://schemas.microsoft.com/office/drawing/2014/main" id="{5165BE06-394A-365F-AF87-C42273FE6F9F}"/>
+              </a:ext>
+            </a:extLst>
+          </p:cNvPr>
+          <p:cNvSpPr/>
+          <p:nvPr/>
+        </p:nvSpPr>
+        <p:spPr>
+          <a:xfrm>
+            <a:off x="2123999" y="1763998"/>
+            <a:ext cx="72000" cy="72000"/>
+          </a:xfrm>
+          <a:prstGeom prst="ellipse">
+            <a:avLst/>
+          </a:prstGeom>
+          <a:solidFill>
+            <a:srgbClr val="00B050"/>
+          </a:solidFill>
+          <a:ln>
+            <a:solidFill>
+              <a:srgbClr val="00B050"/>
+            </a:solidFill>
+          </a:ln>
+        </p:spPr>
+        <p:style>
+          <a:lnRef idx="2">
+            <a:schemeClr val="dk1">
+              <a:shade val="15000"/>
+            </a:schemeClr>
+          </a:lnRef>
+          <a:fillRef idx="1">
+            <a:schemeClr val="dk1"/>
+          </a:fillRef>
+          <a:effectRef idx="0">
+            <a:schemeClr val="dk1"/>
+          </a:effectRef>
+          <a:fontRef idx="minor">
+            <a:schemeClr val="lt1"/>
+          </a:fontRef>
+        </p:style>
+        <p:txBody>
+          <a:bodyPr rtlCol="0" anchor="ctr"/>
+          <a:lstStyle/>
+          <a:p>
+            <a:pPr algn="ctr"/>
+            <a:endParaRPr lang="en-US"/>
+          </a:p>
+        </p:txBody>
+      </p:sp>
+      <p:sp>
+        <p:nvSpPr>
+          <p:cNvPr id="115" name="Oval 114">
+            <a:extLst>
+              <a:ext uri="{FF2B5EF4-FFF2-40B4-BE49-F238E27FC236}">
+                <a16:creationId xmlns:a16="http://schemas.microsoft.com/office/drawing/2014/main" id="{DDF9441A-B0CC-6FD9-8DAC-76ED08A4B2C3}"/>
+              </a:ext>
+            </a:extLst>
+          </p:cNvPr>
+          <p:cNvSpPr/>
+          <p:nvPr/>
+        </p:nvSpPr>
+        <p:spPr>
+          <a:xfrm>
+            <a:off x="1761899" y="1763998"/>
+            <a:ext cx="72000" cy="72000"/>
+          </a:xfrm>
+          <a:prstGeom prst="ellipse">
+            <a:avLst/>
+          </a:prstGeom>
+          <a:solidFill>
+            <a:srgbClr val="C00000"/>
+          </a:solidFill>
+          <a:ln>
+            <a:solidFill>
+              <a:srgbClr val="C00000"/>
+            </a:solidFill>
+          </a:ln>
+        </p:spPr>
+        <p:style>
+          <a:lnRef idx="2">
+            <a:schemeClr val="dk1">
+              <a:shade val="15000"/>
+            </a:schemeClr>
+          </a:lnRef>
+          <a:fillRef idx="1">
+            <a:schemeClr val="dk1"/>
+          </a:fillRef>
+          <a:effectRef idx="0">
+            <a:schemeClr val="dk1"/>
+          </a:effectRef>
+          <a:fontRef idx="minor">
+            <a:schemeClr val="lt1"/>
+          </a:fontRef>
+        </p:style>
+        <p:txBody>
+          <a:bodyPr rtlCol="0" anchor="ctr"/>
+          <a:lstStyle/>
+          <a:p>
+            <a:pPr algn="ctr"/>
+            <a:endParaRPr lang="en-US"/>
+          </a:p>
+        </p:txBody>
+      </p:sp>
+      <p:sp>
+        <p:nvSpPr>
+          <p:cNvPr id="116" name="TextBox 115">
+            <a:extLst>
+              <a:ext uri="{FF2B5EF4-FFF2-40B4-BE49-F238E27FC236}">
+                <a16:creationId xmlns:a16="http://schemas.microsoft.com/office/drawing/2014/main" id="{2DA77D86-77DF-D051-B967-EEF83E592A76}"/>
+              </a:ext>
+            </a:extLst>
+          </p:cNvPr>
+          <p:cNvSpPr txBox="1"/>
+          <p:nvPr/>
+        </p:nvSpPr>
+        <p:spPr>
+          <a:xfrm>
+            <a:off x="1485303" y="1782555"/>
+            <a:ext cx="364385" cy="215444"/>
+          </a:xfrm>
+          <a:prstGeom prst="rect">
+            <a:avLst/>
+          </a:prstGeom>
+          <a:noFill/>
+        </p:spPr>
+        <p:txBody>
+          <a:bodyPr wrap="square" rtlCol="0">
+            <a:spAutoFit/>
+          </a:bodyPr>
+          <a:lstStyle/>
+          <a:p>
+            <a:pPr algn="ctr"/>
+            <a:r>
+              <a:rPr lang="en-US" sz="800" dirty="0">
+                <a:solidFill>
+                  <a:srgbClr val="C00000"/>
+                </a:solidFill>
+                <a:latin typeface="Noto Mono" panose="020B0609030804020204" pitchFamily="49" charset="0"/>
+                <a:ea typeface="Noto Mono" panose="020B0609030804020204" pitchFamily="49" charset="0"/>
+                <a:cs typeface="Noto Mono" panose="020B0609030804020204" pitchFamily="49" charset="0"/>
+              </a:rPr>
+              <a:t>i00</a:t>
+            </a:r>
+            <a:endParaRPr lang="en-US" sz="800" b="0" dirty="0">
+              <a:solidFill>
+                <a:srgbClr val="C00000"/>
+              </a:solidFill>
+              <a:latin typeface="Noto Mono" panose="020B0609030804020204" pitchFamily="49" charset="0"/>
+              <a:ea typeface="Noto Mono" panose="020B0609030804020204" pitchFamily="49" charset="0"/>
+              <a:cs typeface="Noto Mono" panose="020B0609030804020204" pitchFamily="49" charset="0"/>
+            </a:endParaRPr>
+          </a:p>
+        </p:txBody>
+      </p:sp>
+      <p:sp>
+        <p:nvSpPr>
+          <p:cNvPr id="118" name="TextBox 117">
+            <a:extLst>
+              <a:ext uri="{FF2B5EF4-FFF2-40B4-BE49-F238E27FC236}">
+                <a16:creationId xmlns:a16="http://schemas.microsoft.com/office/drawing/2014/main" id="{1F9A9DF6-5971-30A7-4AA5-F1AFD7A09B1E}"/>
+              </a:ext>
+            </a:extLst>
+          </p:cNvPr>
+          <p:cNvSpPr txBox="1"/>
+          <p:nvPr/>
+        </p:nvSpPr>
+        <p:spPr>
+          <a:xfrm>
+            <a:off x="2107639" y="1785878"/>
+            <a:ext cx="364385" cy="215444"/>
+          </a:xfrm>
+          <a:prstGeom prst="rect">
+            <a:avLst/>
+          </a:prstGeom>
+          <a:noFill/>
+        </p:spPr>
+        <p:txBody>
+          <a:bodyPr wrap="square" rtlCol="0">
+            <a:spAutoFit/>
+          </a:bodyPr>
+          <a:lstStyle/>
+          <a:p>
+            <a:pPr algn="ctr"/>
+            <a:r>
+              <a:rPr lang="en-US" sz="800" dirty="0">
+                <a:solidFill>
+                  <a:srgbClr val="00B050"/>
+                </a:solidFill>
+                <a:latin typeface="Noto Mono" panose="020B0609030804020204" pitchFamily="49" charset="0"/>
+                <a:ea typeface="Noto Mono" panose="020B0609030804020204" pitchFamily="49" charset="0"/>
+                <a:cs typeface="Noto Mono" panose="020B0609030804020204" pitchFamily="49" charset="0"/>
+              </a:rPr>
+              <a:t>i01</a:t>
+            </a:r>
+            <a:endParaRPr lang="en-US" sz="800" b="0" dirty="0">
+              <a:solidFill>
+                <a:srgbClr val="00B050"/>
+              </a:solidFill>
+              <a:latin typeface="Noto Mono" panose="020B0609030804020204" pitchFamily="49" charset="0"/>
+              <a:ea typeface="Noto Mono" panose="020B0609030804020204" pitchFamily="49" charset="0"/>
+              <a:cs typeface="Noto Mono" panose="020B0609030804020204" pitchFamily="49" charset="0"/>
+            </a:endParaRPr>
+          </a:p>
+        </p:txBody>
+      </p:sp>
+      <p:sp>
+        <p:nvSpPr>
+          <p:cNvPr id="119" name="TextBox 118">
+            <a:extLst>
+              <a:ext uri="{FF2B5EF4-FFF2-40B4-BE49-F238E27FC236}">
+                <a16:creationId xmlns:a16="http://schemas.microsoft.com/office/drawing/2014/main" id="{2951258C-28FE-A771-924A-9325750464D9}"/>
+              </a:ext>
+            </a:extLst>
+          </p:cNvPr>
+          <p:cNvSpPr txBox="1"/>
+          <p:nvPr/>
+        </p:nvSpPr>
+        <p:spPr>
+          <a:xfrm>
+            <a:off x="2117120" y="1221082"/>
+            <a:ext cx="364385" cy="215444"/>
+          </a:xfrm>
+          <a:prstGeom prst="rect">
+            <a:avLst/>
+          </a:prstGeom>
+          <a:noFill/>
+        </p:spPr>
+        <p:txBody>
+          <a:bodyPr wrap="square" rtlCol="0">
+            <a:spAutoFit/>
+          </a:bodyPr>
+          <a:lstStyle/>
+          <a:p>
+            <a:pPr algn="ctr"/>
+            <a:r>
+              <a:rPr lang="en-US" sz="800" dirty="0">
+                <a:latin typeface="Noto Mono" panose="020B0609030804020204" pitchFamily="49" charset="0"/>
+                <a:ea typeface="Noto Mono" panose="020B0609030804020204" pitchFamily="49" charset="0"/>
+                <a:cs typeface="Noto Mono" panose="020B0609030804020204" pitchFamily="49" charset="0"/>
+              </a:rPr>
+              <a:t>i11</a:t>
+            </a:r>
+            <a:endParaRPr lang="en-US" sz="800" b="0" dirty="0">
+              <a:latin typeface="Noto Mono" panose="020B0609030804020204" pitchFamily="49" charset="0"/>
+              <a:ea typeface="Noto Mono" panose="020B0609030804020204" pitchFamily="49" charset="0"/>
+              <a:cs typeface="Noto Mono" panose="020B0609030804020204" pitchFamily="49" charset="0"/>
+            </a:endParaRPr>
+          </a:p>
+        </p:txBody>
+      </p:sp>
+      <p:sp>
+        <p:nvSpPr>
+          <p:cNvPr id="120" name="TextBox 119">
+            <a:extLst>
+              <a:ext uri="{FF2B5EF4-FFF2-40B4-BE49-F238E27FC236}">
+                <a16:creationId xmlns:a16="http://schemas.microsoft.com/office/drawing/2014/main" id="{703E6459-7DAD-ECCF-7F18-DE6477E2E8C8}"/>
+              </a:ext>
+            </a:extLst>
+          </p:cNvPr>
+          <p:cNvSpPr txBox="1"/>
+          <p:nvPr/>
+        </p:nvSpPr>
+        <p:spPr>
+          <a:xfrm>
+            <a:off x="1492362" y="1221082"/>
+            <a:ext cx="364385" cy="215444"/>
+          </a:xfrm>
+          <a:prstGeom prst="rect">
+            <a:avLst/>
+          </a:prstGeom>
+          <a:noFill/>
+        </p:spPr>
+        <p:txBody>
+          <a:bodyPr wrap="square" rtlCol="0">
+            <a:spAutoFit/>
+          </a:bodyPr>
+          <a:lstStyle/>
+          <a:p>
+            <a:pPr algn="ctr"/>
+            <a:r>
+              <a:rPr lang="en-US" sz="800" dirty="0">
+                <a:solidFill>
+                  <a:srgbClr val="002060"/>
+                </a:solidFill>
+                <a:latin typeface="Noto Mono" panose="020B0609030804020204" pitchFamily="49" charset="0"/>
+                <a:ea typeface="Noto Mono" panose="020B0609030804020204" pitchFamily="49" charset="0"/>
+                <a:cs typeface="Noto Mono" panose="020B0609030804020204" pitchFamily="49" charset="0"/>
+              </a:rPr>
+              <a:t>i10</a:t>
+            </a:r>
+            <a:endParaRPr lang="en-US" sz="800" b="0" dirty="0">
+              <a:solidFill>
+                <a:srgbClr val="002060"/>
+              </a:solidFill>
+              <a:latin typeface="Noto Mono" panose="020B0609030804020204" pitchFamily="49" charset="0"/>
+              <a:ea typeface="Noto Mono" panose="020B0609030804020204" pitchFamily="49" charset="0"/>
+              <a:cs typeface="Noto Mono" panose="020B0609030804020204" pitchFamily="49" charset="0"/>
+            </a:endParaRPr>
+          </a:p>
+        </p:txBody>
+      </p:sp>
+    </p:spTree>
+    <p:extLst>
+      <p:ext uri="{BB962C8B-B14F-4D97-AF65-F5344CB8AC3E}">
+        <p14:creationId xmlns:p14="http://schemas.microsoft.com/office/powerpoint/2010/main" val="982132985"/>
+      </p:ext>
+    </p:extLst>
+  </p:cSld>
+  <p:clrMapOvr>
+    <a:masterClrMapping/>
+  </p:clrMapOvr>
+</p:sld>
+</file>
+
+<file path=ppt/slides/slide3.xml><?xml version="1.0" encoding="utf-8"?>
+<p:sld xmlns:a="http://schemas.openxmlformats.org/drawingml/2006/main" xmlns:r="http://schemas.openxmlformats.org/officeDocument/2006/relationships" xmlns:p="http://schemas.openxmlformats.org/presentationml/2006/main">
+  <p:cSld>
+    <p:spTree>
+      <p:nvGrpSpPr>
+        <p:cNvPr id="1" name="">
+          <a:extLst>
+            <a:ext uri="{FF2B5EF4-FFF2-40B4-BE49-F238E27FC236}">
+              <a16:creationId xmlns:a16="http://schemas.microsoft.com/office/drawing/2014/main" id="{52A51826-051E-CFFD-4EE9-1082C92A334C}"/>
+            </a:ext>
+          </a:extLst>
+        </p:cNvPr>
+        <p:cNvGrpSpPr/>
+        <p:nvPr/>
+      </p:nvGrpSpPr>
+      <p:grpSpPr>
+        <a:xfrm>
+          <a:off x="0" y="0"/>
+          <a:ext cx="0" cy="0"/>
+          <a:chOff x="0" y="0"/>
+          <a:chExt cx="0" cy="0"/>
+        </a:xfrm>
+      </p:grpSpPr>
+      <p:cxnSp>
+        <p:nvCxnSpPr>
+          <p:cNvPr id="10" name="Straight Connector 9">
+            <a:extLst>
+              <a:ext uri="{FF2B5EF4-FFF2-40B4-BE49-F238E27FC236}">
+                <a16:creationId xmlns:a16="http://schemas.microsoft.com/office/drawing/2014/main" id="{047826C1-A2E6-D4BF-49B0-3EC3B5CBD4EC}"/>
+              </a:ext>
+            </a:extLst>
+          </p:cNvPr>
+          <p:cNvCxnSpPr>
+            <a:cxnSpLocks/>
+          </p:cNvCxnSpPr>
+          <p:nvPr/>
+        </p:nvCxnSpPr>
+        <p:spPr>
+          <a:xfrm flipV="1">
+            <a:off x="1439999" y="1080000"/>
+            <a:ext cx="720000" cy="0"/>
+          </a:xfrm>
+          <a:prstGeom prst="line">
+            <a:avLst/>
+          </a:prstGeom>
+          <a:ln w="25400">
+            <a:solidFill>
+              <a:srgbClr val="0070C0"/>
+            </a:solidFill>
+            <a:prstDash val="solid"/>
+            <a:headEnd type="none"/>
+            <a:tailEnd type="none"/>
+          </a:ln>
+        </p:spPr>
+        <p:style>
+          <a:lnRef idx="1">
+            <a:schemeClr val="accent1"/>
+          </a:lnRef>
+          <a:fillRef idx="0">
+            <a:schemeClr val="accent1"/>
+          </a:fillRef>
+          <a:effectRef idx="0">
+            <a:schemeClr val="accent1"/>
+          </a:effectRef>
+          <a:fontRef idx="minor">
+            <a:schemeClr val="tx1"/>
+          </a:fontRef>
+        </p:style>
+      </p:cxnSp>
+      <p:cxnSp>
+        <p:nvCxnSpPr>
+          <p:cNvPr id="8" name="Straight Connector 7">
+            <a:extLst>
+              <a:ext uri="{FF2B5EF4-FFF2-40B4-BE49-F238E27FC236}">
+                <a16:creationId xmlns:a16="http://schemas.microsoft.com/office/drawing/2014/main" id="{1FB7C145-4552-36F5-2732-2FA1B140C4A2}"/>
+              </a:ext>
+            </a:extLst>
+          </p:cNvPr>
+          <p:cNvCxnSpPr>
+            <a:cxnSpLocks/>
+          </p:cNvCxnSpPr>
+          <p:nvPr/>
+        </p:nvCxnSpPr>
+        <p:spPr>
+          <a:xfrm flipV="1">
+            <a:off x="2159999" y="1087527"/>
+            <a:ext cx="0" cy="720000"/>
+          </a:xfrm>
+          <a:prstGeom prst="line">
+            <a:avLst/>
+          </a:prstGeom>
+          <a:ln w="25400">
+            <a:solidFill>
+              <a:schemeClr val="accent6"/>
+            </a:solidFill>
+            <a:prstDash val="solid"/>
+            <a:headEnd type="none"/>
+            <a:tailEnd type="none"/>
+          </a:ln>
+        </p:spPr>
+        <p:style>
+          <a:lnRef idx="1">
+            <a:schemeClr val="accent1"/>
+          </a:lnRef>
+          <a:fillRef idx="0">
+            <a:schemeClr val="accent1"/>
+          </a:fillRef>
+          <a:effectRef idx="0">
+            <a:schemeClr val="accent1"/>
+          </a:effectRef>
+          <a:fontRef idx="minor">
+            <a:schemeClr val="tx1"/>
+          </a:fontRef>
+        </p:style>
+      </p:cxnSp>
+      <p:cxnSp>
+        <p:nvCxnSpPr>
+          <p:cNvPr id="7" name="Straight Connector 6">
+            <a:extLst>
+              <a:ext uri="{FF2B5EF4-FFF2-40B4-BE49-F238E27FC236}">
+                <a16:creationId xmlns:a16="http://schemas.microsoft.com/office/drawing/2014/main" id="{C8ABFDD8-187F-189F-282C-B95C0408D666}"/>
+              </a:ext>
+            </a:extLst>
+          </p:cNvPr>
+          <p:cNvCxnSpPr>
+            <a:cxnSpLocks/>
+          </p:cNvCxnSpPr>
+          <p:nvPr/>
+        </p:nvCxnSpPr>
+        <p:spPr>
+          <a:xfrm flipV="1">
+            <a:off x="1440000" y="1080000"/>
+            <a:ext cx="0" cy="720000"/>
+          </a:xfrm>
+          <a:prstGeom prst="line">
+            <a:avLst/>
+          </a:prstGeom>
+          <a:ln w="25400">
+            <a:solidFill>
+              <a:srgbClr val="D42CB0"/>
+            </a:solidFill>
+            <a:prstDash val="solid"/>
+            <a:headEnd type="none"/>
+            <a:tailEnd type="none"/>
+          </a:ln>
+        </p:spPr>
+        <p:style>
+          <a:lnRef idx="1">
+            <a:schemeClr val="accent1"/>
+          </a:lnRef>
+          <a:fillRef idx="0">
+            <a:schemeClr val="accent1"/>
+          </a:fillRef>
+          <a:effectRef idx="0">
+            <a:schemeClr val="accent1"/>
+          </a:effectRef>
+          <a:fontRef idx="minor">
+            <a:schemeClr val="tx1"/>
+          </a:fontRef>
+        </p:style>
+      </p:cxnSp>
+      <p:cxnSp>
+        <p:nvCxnSpPr>
+          <p:cNvPr id="4" name="Straight Connector 3">
+            <a:extLst>
+              <a:ext uri="{FF2B5EF4-FFF2-40B4-BE49-F238E27FC236}">
+                <a16:creationId xmlns:a16="http://schemas.microsoft.com/office/drawing/2014/main" id="{7DADABDF-FF2F-6581-BED8-68CEE2EBA26F}"/>
+              </a:ext>
+            </a:extLst>
+          </p:cNvPr>
+          <p:cNvCxnSpPr>
+            <a:cxnSpLocks/>
+          </p:cNvCxnSpPr>
+          <p:nvPr/>
+        </p:nvCxnSpPr>
+        <p:spPr>
+          <a:xfrm flipV="1">
+            <a:off x="1439999" y="1800000"/>
+            <a:ext cx="720000" cy="0"/>
+          </a:xfrm>
+          <a:prstGeom prst="line">
+            <a:avLst/>
+          </a:prstGeom>
+          <a:ln w="25400">
+            <a:solidFill>
+              <a:schemeClr val="accent4"/>
+            </a:solidFill>
+            <a:prstDash val="solid"/>
+            <a:headEnd type="none"/>
+            <a:tailEnd type="none"/>
+          </a:ln>
+        </p:spPr>
+        <p:style>
+          <a:lnRef idx="1">
+            <a:schemeClr val="accent1"/>
+          </a:lnRef>
+          <a:fillRef idx="0">
+            <a:schemeClr val="accent1"/>
+          </a:fillRef>
+          <a:effectRef idx="0">
+            <a:schemeClr val="accent1"/>
+          </a:effectRef>
+          <a:fontRef idx="minor">
+            <a:schemeClr val="tx1"/>
+          </a:fontRef>
+        </p:style>
+      </p:cxnSp>
+      <p:sp>
+        <p:nvSpPr>
+          <p:cNvPr id="112" name="Oval 111">
+            <a:extLst>
+              <a:ext uri="{FF2B5EF4-FFF2-40B4-BE49-F238E27FC236}">
+                <a16:creationId xmlns:a16="http://schemas.microsoft.com/office/drawing/2014/main" id="{F2B4E7D4-D15E-FE82-211C-99363C77BEE8}"/>
+              </a:ext>
+            </a:extLst>
+          </p:cNvPr>
+          <p:cNvSpPr/>
+          <p:nvPr/>
+        </p:nvSpPr>
+        <p:spPr>
+          <a:xfrm>
+            <a:off x="1403999" y="1045677"/>
+            <a:ext cx="72000" cy="72000"/>
+          </a:xfrm>
+          <a:prstGeom prst="ellipse">
+            <a:avLst/>
+          </a:prstGeom>
+          <a:solidFill>
+            <a:srgbClr val="002060"/>
+          </a:solidFill>
+          <a:ln>
+            <a:solidFill>
+              <a:srgbClr val="002060"/>
+            </a:solidFill>
+          </a:ln>
+        </p:spPr>
+        <p:style>
+          <a:lnRef idx="2">
+            <a:schemeClr val="dk1">
+              <a:shade val="15000"/>
+            </a:schemeClr>
+          </a:lnRef>
+          <a:fillRef idx="1">
+            <a:schemeClr val="dk1"/>
+          </a:fillRef>
+          <a:effectRef idx="0">
+            <a:schemeClr val="dk1"/>
+          </a:effectRef>
+          <a:fontRef idx="minor">
+            <a:schemeClr val="lt1"/>
+          </a:fontRef>
+        </p:style>
+        <p:txBody>
+          <a:bodyPr rtlCol="0" anchor="ctr"/>
+          <a:lstStyle/>
+          <a:p>
+            <a:pPr algn="ctr"/>
+            <a:endParaRPr lang="en-US">
+              <a:solidFill>
+                <a:srgbClr val="00B0F0"/>
+              </a:solidFill>
+            </a:endParaRPr>
+          </a:p>
+        </p:txBody>
+      </p:sp>
+      <p:sp>
+        <p:nvSpPr>
+          <p:cNvPr id="113" name="Oval 112">
+            <a:extLst>
+              <a:ext uri="{FF2B5EF4-FFF2-40B4-BE49-F238E27FC236}">
+                <a16:creationId xmlns:a16="http://schemas.microsoft.com/office/drawing/2014/main" id="{0E79D20A-234E-E94B-59CD-004187A069C0}"/>
+              </a:ext>
+            </a:extLst>
+          </p:cNvPr>
+          <p:cNvSpPr/>
+          <p:nvPr/>
+        </p:nvSpPr>
+        <p:spPr>
+          <a:xfrm>
+            <a:off x="2123999" y="1051527"/>
+            <a:ext cx="72000" cy="72000"/>
+          </a:xfrm>
+          <a:prstGeom prst="ellipse">
+            <a:avLst/>
+          </a:prstGeom>
+        </p:spPr>
+        <p:style>
+          <a:lnRef idx="2">
+            <a:schemeClr val="dk1">
+              <a:shade val="15000"/>
+            </a:schemeClr>
+          </a:lnRef>
+          <a:fillRef idx="1">
+            <a:schemeClr val="dk1"/>
+          </a:fillRef>
+          <a:effectRef idx="0">
+            <a:schemeClr val="dk1"/>
+          </a:effectRef>
+          <a:fontRef idx="minor">
+            <a:schemeClr val="lt1"/>
+          </a:fontRef>
+        </p:style>
+        <p:txBody>
+          <a:bodyPr rtlCol="0" anchor="ctr"/>
+          <a:lstStyle/>
+          <a:p>
+            <a:pPr algn="ctr"/>
+            <a:endParaRPr lang="en-US"/>
+          </a:p>
+        </p:txBody>
+      </p:sp>
+      <p:sp>
+        <p:nvSpPr>
+          <p:cNvPr id="114" name="Oval 113">
+            <a:extLst>
+              <a:ext uri="{FF2B5EF4-FFF2-40B4-BE49-F238E27FC236}">
+                <a16:creationId xmlns:a16="http://schemas.microsoft.com/office/drawing/2014/main" id="{C7415144-108A-06AB-D714-D8F49109BE0A}"/>
+              </a:ext>
+            </a:extLst>
+          </p:cNvPr>
+          <p:cNvSpPr/>
+          <p:nvPr/>
+        </p:nvSpPr>
+        <p:spPr>
+          <a:xfrm>
+            <a:off x="2123999" y="1763998"/>
+            <a:ext cx="72000" cy="72000"/>
+          </a:xfrm>
+          <a:prstGeom prst="ellipse">
+            <a:avLst/>
+          </a:prstGeom>
+          <a:solidFill>
+            <a:srgbClr val="00B050"/>
+          </a:solidFill>
+          <a:ln>
+            <a:solidFill>
+              <a:srgbClr val="00B050"/>
+            </a:solidFill>
+          </a:ln>
+        </p:spPr>
+        <p:style>
+          <a:lnRef idx="2">
+            <a:schemeClr val="dk1">
+              <a:shade val="15000"/>
+            </a:schemeClr>
+          </a:lnRef>
+          <a:fillRef idx="1">
+            <a:schemeClr val="dk1"/>
+          </a:fillRef>
+          <a:effectRef idx="0">
+            <a:schemeClr val="dk1"/>
+          </a:effectRef>
+          <a:fontRef idx="minor">
+            <a:schemeClr val="lt1"/>
+          </a:fontRef>
+        </p:style>
+        <p:txBody>
+          <a:bodyPr rtlCol="0" anchor="ctr"/>
+          <a:lstStyle/>
+          <a:p>
+            <a:pPr algn="ctr"/>
+            <a:endParaRPr lang="en-US"/>
+          </a:p>
+        </p:txBody>
+      </p:sp>
+      <p:sp>
+        <p:nvSpPr>
+          <p:cNvPr id="115" name="Oval 114">
+            <a:extLst>
+              <a:ext uri="{FF2B5EF4-FFF2-40B4-BE49-F238E27FC236}">
+                <a16:creationId xmlns:a16="http://schemas.microsoft.com/office/drawing/2014/main" id="{A1A9F087-78DE-302B-238C-E6A63428D862}"/>
+              </a:ext>
+            </a:extLst>
+          </p:cNvPr>
+          <p:cNvSpPr/>
+          <p:nvPr/>
+        </p:nvSpPr>
+        <p:spPr>
+          <a:xfrm>
+            <a:off x="1403999" y="1763998"/>
+            <a:ext cx="72000" cy="72000"/>
+          </a:xfrm>
+          <a:prstGeom prst="ellipse">
+            <a:avLst/>
+          </a:prstGeom>
+          <a:solidFill>
+            <a:srgbClr val="C00000"/>
+          </a:solidFill>
+          <a:ln>
+            <a:solidFill>
+              <a:srgbClr val="C00000"/>
+            </a:solidFill>
+          </a:ln>
+        </p:spPr>
+        <p:style>
+          <a:lnRef idx="2">
+            <a:schemeClr val="dk1">
+              <a:shade val="15000"/>
+            </a:schemeClr>
+          </a:lnRef>
+          <a:fillRef idx="1">
+            <a:schemeClr val="dk1"/>
+          </a:fillRef>
+          <a:effectRef idx="0">
+            <a:schemeClr val="dk1"/>
+          </a:effectRef>
+          <a:fontRef idx="minor">
+            <a:schemeClr val="lt1"/>
+          </a:fontRef>
+        </p:style>
+        <p:txBody>
+          <a:bodyPr rtlCol="0" anchor="ctr"/>
+          <a:lstStyle/>
+          <a:p>
+            <a:pPr algn="ctr"/>
+            <a:endParaRPr lang="en-US"/>
+          </a:p>
+        </p:txBody>
+      </p:sp>
+      <p:sp>
+        <p:nvSpPr>
+          <p:cNvPr id="12" name="TextBox 11">
+            <a:extLst>
+              <a:ext uri="{FF2B5EF4-FFF2-40B4-BE49-F238E27FC236}">
+                <a16:creationId xmlns:a16="http://schemas.microsoft.com/office/drawing/2014/main" id="{8EDEDE07-6E66-5C00-F4D6-E8E123032894}"/>
+              </a:ext>
+            </a:extLst>
+          </p:cNvPr>
+          <p:cNvSpPr txBox="1"/>
+          <p:nvPr/>
+        </p:nvSpPr>
+        <p:spPr>
+          <a:xfrm>
+            <a:off x="1501417" y="1788826"/>
+            <a:ext cx="611065" cy="215444"/>
+          </a:xfrm>
+          <a:prstGeom prst="rect">
+            <a:avLst/>
+          </a:prstGeom>
+          <a:noFill/>
+        </p:spPr>
+        <p:txBody>
+          <a:bodyPr wrap="none" rtlCol="0">
+            <a:spAutoFit/>
+          </a:bodyPr>
+          <a:lstStyle/>
+          <a:p>
+            <a:r>
+              <a:rPr lang="en-US" sz="800" dirty="0">
+                <a:solidFill>
+                  <a:srgbClr val="FFC000"/>
+                </a:solidFill>
+                <a:latin typeface="Noto Mono" panose="020B0609030804020204" pitchFamily="49" charset="0"/>
+                <a:ea typeface="Noto Mono" panose="020B0609030804020204" pitchFamily="49" charset="0"/>
+                <a:cs typeface="Noto Mono" panose="020B0609030804020204" pitchFamily="49" charset="0"/>
+              </a:rPr>
+              <a:t>i00,i01</a:t>
+            </a:r>
+          </a:p>
+        </p:txBody>
+      </p:sp>
+      <p:sp>
+        <p:nvSpPr>
+          <p:cNvPr id="14" name="TextBox 13">
+            <a:extLst>
+              <a:ext uri="{FF2B5EF4-FFF2-40B4-BE49-F238E27FC236}">
+                <a16:creationId xmlns:a16="http://schemas.microsoft.com/office/drawing/2014/main" id="{54A82F30-74E2-45B9-4A75-598D66D1A358}"/>
+              </a:ext>
+            </a:extLst>
+          </p:cNvPr>
+          <p:cNvSpPr txBox="1"/>
+          <p:nvPr/>
+        </p:nvSpPr>
+        <p:spPr>
+          <a:xfrm>
+            <a:off x="1501417" y="857495"/>
+            <a:ext cx="611065" cy="215444"/>
+          </a:xfrm>
+          <a:prstGeom prst="rect">
+            <a:avLst/>
+          </a:prstGeom>
+          <a:noFill/>
+        </p:spPr>
+        <p:txBody>
+          <a:bodyPr wrap="none" rtlCol="0">
+            <a:spAutoFit/>
+          </a:bodyPr>
+          <a:lstStyle/>
+          <a:p>
+            <a:r>
+              <a:rPr lang="en-US" sz="800" dirty="0">
+                <a:solidFill>
+                  <a:schemeClr val="accent1"/>
+                </a:solidFill>
+                <a:latin typeface="Noto Mono" panose="020B0609030804020204" pitchFamily="49" charset="0"/>
+                <a:ea typeface="Noto Mono" panose="020B0609030804020204" pitchFamily="49" charset="0"/>
+                <a:cs typeface="Noto Mono" panose="020B0609030804020204" pitchFamily="49" charset="0"/>
+              </a:rPr>
+              <a:t>i11,i01</a:t>
+            </a:r>
+          </a:p>
+        </p:txBody>
+      </p:sp>
+      <p:sp>
+        <p:nvSpPr>
+          <p:cNvPr id="15" name="TextBox 14">
+            <a:extLst>
+              <a:ext uri="{FF2B5EF4-FFF2-40B4-BE49-F238E27FC236}">
+                <a16:creationId xmlns:a16="http://schemas.microsoft.com/office/drawing/2014/main" id="{C2234D74-1231-6345-5ADC-3BFAAB966B33}"/>
+              </a:ext>
+            </a:extLst>
+          </p:cNvPr>
+          <p:cNvSpPr txBox="1"/>
+          <p:nvPr/>
+        </p:nvSpPr>
+        <p:spPr>
+          <a:xfrm>
+            <a:off x="2159999" y="1246560"/>
+            <a:ext cx="428322" cy="338554"/>
+          </a:xfrm>
+          <a:prstGeom prst="rect">
+            <a:avLst/>
+          </a:prstGeom>
+          <a:noFill/>
+        </p:spPr>
+        <p:txBody>
+          <a:bodyPr wrap="none" rtlCol="0">
+            <a:spAutoFit/>
+          </a:bodyPr>
+          <a:lstStyle/>
+          <a:p>
+            <a:r>
+              <a:rPr lang="en-US" sz="800" dirty="0">
+                <a:solidFill>
+                  <a:schemeClr val="accent6"/>
+                </a:solidFill>
+                <a:latin typeface="Noto Mono" panose="020B0609030804020204" pitchFamily="49" charset="0"/>
+                <a:ea typeface="Noto Mono" panose="020B0609030804020204" pitchFamily="49" charset="0"/>
+                <a:cs typeface="Noto Mono" panose="020B0609030804020204" pitchFamily="49" charset="0"/>
+              </a:rPr>
+              <a:t>i01,</a:t>
+            </a:r>
+            <a:br>
+              <a:rPr lang="en-US" sz="800" dirty="0">
+                <a:solidFill>
+                  <a:schemeClr val="accent6"/>
+                </a:solidFill>
+                <a:latin typeface="Noto Mono" panose="020B0609030804020204" pitchFamily="49" charset="0"/>
+                <a:ea typeface="Noto Mono" panose="020B0609030804020204" pitchFamily="49" charset="0"/>
+                <a:cs typeface="Noto Mono" panose="020B0609030804020204" pitchFamily="49" charset="0"/>
+              </a:rPr>
+            </a:br>
+            <a:r>
+              <a:rPr lang="en-US" sz="800" dirty="0">
+                <a:solidFill>
+                  <a:schemeClr val="accent6"/>
+                </a:solidFill>
+                <a:latin typeface="Noto Mono" panose="020B0609030804020204" pitchFamily="49" charset="0"/>
+                <a:ea typeface="Noto Mono" panose="020B0609030804020204" pitchFamily="49" charset="0"/>
+                <a:cs typeface="Noto Mono" panose="020B0609030804020204" pitchFamily="49" charset="0"/>
+              </a:rPr>
+              <a:t>i11</a:t>
+            </a:r>
+          </a:p>
+        </p:txBody>
+      </p:sp>
+      <p:sp>
+        <p:nvSpPr>
+          <p:cNvPr id="16" name="TextBox 15">
+            <a:extLst>
+              <a:ext uri="{FF2B5EF4-FFF2-40B4-BE49-F238E27FC236}">
+                <a16:creationId xmlns:a16="http://schemas.microsoft.com/office/drawing/2014/main" id="{D5C80DC5-2F4E-4044-8420-AF1CE1A81CEB}"/>
+              </a:ext>
+            </a:extLst>
+          </p:cNvPr>
+          <p:cNvSpPr txBox="1"/>
+          <p:nvPr/>
+        </p:nvSpPr>
+        <p:spPr>
+          <a:xfrm>
+            <a:off x="1047677" y="1245028"/>
+            <a:ext cx="428322" cy="338554"/>
+          </a:xfrm>
+          <a:prstGeom prst="rect">
+            <a:avLst/>
+          </a:prstGeom>
+          <a:noFill/>
+        </p:spPr>
+        <p:txBody>
+          <a:bodyPr wrap="none" rtlCol="0">
+            <a:spAutoFit/>
+          </a:bodyPr>
+          <a:lstStyle/>
+          <a:p>
+            <a:r>
+              <a:rPr lang="en-US" sz="800" dirty="0">
+                <a:solidFill>
+                  <a:srgbClr val="D42CB0"/>
+                </a:solidFill>
+                <a:latin typeface="Noto Mono" panose="020B0609030804020204" pitchFamily="49" charset="0"/>
+                <a:ea typeface="Noto Mono" panose="020B0609030804020204" pitchFamily="49" charset="0"/>
+                <a:cs typeface="Noto Mono" panose="020B0609030804020204" pitchFamily="49" charset="0"/>
+              </a:rPr>
+              <a:t>i10,</a:t>
+            </a:r>
+            <a:br>
+              <a:rPr lang="en-US" sz="800" dirty="0">
+                <a:solidFill>
+                  <a:srgbClr val="D42CB0"/>
+                </a:solidFill>
+                <a:latin typeface="Noto Mono" panose="020B0609030804020204" pitchFamily="49" charset="0"/>
+                <a:ea typeface="Noto Mono" panose="020B0609030804020204" pitchFamily="49" charset="0"/>
+                <a:cs typeface="Noto Mono" panose="020B0609030804020204" pitchFamily="49" charset="0"/>
+              </a:rPr>
+            </a:br>
+            <a:r>
+              <a:rPr lang="en-US" sz="800" dirty="0">
+                <a:solidFill>
+                  <a:srgbClr val="D42CB0"/>
+                </a:solidFill>
+                <a:latin typeface="Noto Mono" panose="020B0609030804020204" pitchFamily="49" charset="0"/>
+                <a:ea typeface="Noto Mono" panose="020B0609030804020204" pitchFamily="49" charset="0"/>
+                <a:cs typeface="Noto Mono" panose="020B0609030804020204" pitchFamily="49" charset="0"/>
+              </a:rPr>
+              <a:t>i00</a:t>
+            </a:r>
+          </a:p>
+        </p:txBody>
+      </p:sp>
+    </p:spTree>
+    <p:extLst>
+      <p:ext uri="{BB962C8B-B14F-4D97-AF65-F5344CB8AC3E}">
+        <p14:creationId xmlns:p14="http://schemas.microsoft.com/office/powerpoint/2010/main" val="187345704"/>
       </p:ext>
     </p:extLst>
   </p:cSld>
